--- a/Oral Candidacy/Presentation/Figures/Figure Generation/photon_candidate_vars_schematics.pptx
+++ b/Oral Candidacy/Presentation/Figures/Figure Generation/photon_candidate_vars_schematics.pptx
@@ -5,14 +5,15 @@
     <p:sldMasterId id="2147483648" r:id="rId1"/>
   </p:sldMasterIdLst>
   <p:sldIdLst>
-    <p:sldId id="263" r:id="rId2"/>
-    <p:sldId id="256" r:id="rId3"/>
-    <p:sldId id="257" r:id="rId4"/>
-    <p:sldId id="258" r:id="rId5"/>
-    <p:sldId id="259" r:id="rId6"/>
-    <p:sldId id="264" r:id="rId7"/>
-    <p:sldId id="265" r:id="rId8"/>
-    <p:sldId id="261" r:id="rId9"/>
+    <p:sldId id="266" r:id="rId2"/>
+    <p:sldId id="263" r:id="rId3"/>
+    <p:sldId id="256" r:id="rId4"/>
+    <p:sldId id="257" r:id="rId5"/>
+    <p:sldId id="258" r:id="rId6"/>
+    <p:sldId id="259" r:id="rId7"/>
+    <p:sldId id="264" r:id="rId8"/>
+    <p:sldId id="265" r:id="rId9"/>
+    <p:sldId id="261" r:id="rId10"/>
   </p:sldIdLst>
   <p:sldSz cx="12192000" cy="6858000"/>
   <p:notesSz cx="6858000" cy="9144000"/>
@@ -3333,6 +3334,2085 @@
           <a:chExt cx="0" cy="0"/>
         </a:xfrm>
       </p:grpSpPr>
+      <p:graphicFrame>
+        <p:nvGraphicFramePr>
+          <p:cNvPr id="4" name="Table 3">
+            <a:extLst>
+              <a:ext uri="{FF2B5EF4-FFF2-40B4-BE49-F238E27FC236}">
+                <a16:creationId xmlns:a16="http://schemas.microsoft.com/office/drawing/2014/main" id="{05FC604A-8DE0-7C3E-7AF6-CCC8FAFEC717}"/>
+              </a:ext>
+            </a:extLst>
+          </p:cNvPr>
+          <p:cNvGraphicFramePr>
+            <a:graphicFrameLocks noGrp="1"/>
+          </p:cNvGraphicFramePr>
+          <p:nvPr>
+            <p:extLst>
+              <p:ext uri="{D42A27DB-BD31-4B8C-83A1-F6EECF244321}">
+                <p14:modId xmlns:p14="http://schemas.microsoft.com/office/powerpoint/2010/main" val="245840085"/>
+              </p:ext>
+            </p:extLst>
+          </p:nvPr>
+        </p:nvGraphicFramePr>
+        <p:xfrm>
+          <a:off x="2032000" y="719665"/>
+          <a:ext cx="8311408" cy="3721705"/>
+        </p:xfrm>
+        <a:graphic>
+          <a:graphicData uri="http://schemas.openxmlformats.org/drawingml/2006/table">
+            <a:tbl>
+              <a:tblPr>
+                <a:tableStyleId>{5C22544A-7EE6-4342-B048-85BDC9FD1C3A}</a:tableStyleId>
+              </a:tblPr>
+              <a:tblGrid>
+                <a:gridCol w="1187344">
+                  <a:extLst>
+                    <a:ext uri="{9D8B030D-6E8A-4147-A177-3AD203B41FA5}">
+                      <a16:colId xmlns:a16="http://schemas.microsoft.com/office/drawing/2014/main" val="236485067"/>
+                    </a:ext>
+                  </a:extLst>
+                </a:gridCol>
+                <a:gridCol w="1187344">
+                  <a:extLst>
+                    <a:ext uri="{9D8B030D-6E8A-4147-A177-3AD203B41FA5}">
+                      <a16:colId xmlns:a16="http://schemas.microsoft.com/office/drawing/2014/main" val="18501051"/>
+                    </a:ext>
+                  </a:extLst>
+                </a:gridCol>
+                <a:gridCol w="1187344">
+                  <a:extLst>
+                    <a:ext uri="{9D8B030D-6E8A-4147-A177-3AD203B41FA5}">
+                      <a16:colId xmlns:a16="http://schemas.microsoft.com/office/drawing/2014/main" val="14297847"/>
+                    </a:ext>
+                  </a:extLst>
+                </a:gridCol>
+                <a:gridCol w="1187344">
+                  <a:extLst>
+                    <a:ext uri="{9D8B030D-6E8A-4147-A177-3AD203B41FA5}">
+                      <a16:colId xmlns:a16="http://schemas.microsoft.com/office/drawing/2014/main" val="663987328"/>
+                    </a:ext>
+                  </a:extLst>
+                </a:gridCol>
+                <a:gridCol w="1187344">
+                  <a:extLst>
+                    <a:ext uri="{9D8B030D-6E8A-4147-A177-3AD203B41FA5}">
+                      <a16:colId xmlns:a16="http://schemas.microsoft.com/office/drawing/2014/main" val="2616186044"/>
+                    </a:ext>
+                  </a:extLst>
+                </a:gridCol>
+                <a:gridCol w="1187344">
+                  <a:extLst>
+                    <a:ext uri="{9D8B030D-6E8A-4147-A177-3AD203B41FA5}">
+                      <a16:colId xmlns:a16="http://schemas.microsoft.com/office/drawing/2014/main" val="2285009975"/>
+                    </a:ext>
+                  </a:extLst>
+                </a:gridCol>
+                <a:gridCol w="1187344">
+                  <a:extLst>
+                    <a:ext uri="{9D8B030D-6E8A-4147-A177-3AD203B41FA5}">
+                      <a16:colId xmlns:a16="http://schemas.microsoft.com/office/drawing/2014/main" val="1813769324"/>
+                    </a:ext>
+                  </a:extLst>
+                </a:gridCol>
+              </a:tblGrid>
+              <a:tr h="744341">
+                <a:tc>
+                  <a:txBody>
+                    <a:bodyPr/>
+                    <a:lstStyle/>
+                    <a:p>
+                      <a:endParaRPr lang="en-US" dirty="0"/>
+                    </a:p>
+                  </a:txBody>
+                  <a:tcPr>
+                    <a:lnL w="12700" cap="flat" cmpd="sng" algn="ctr">
+                      <a:solidFill>
+                        <a:schemeClr val="tx1"/>
+                      </a:solidFill>
+                      <a:prstDash val="solid"/>
+                      <a:round/>
+                      <a:headEnd type="none" w="med" len="med"/>
+                      <a:tailEnd type="none" w="med" len="med"/>
+                    </a:lnL>
+                    <a:lnR w="12700" cap="flat" cmpd="sng" algn="ctr">
+                      <a:solidFill>
+                        <a:schemeClr val="tx1"/>
+                      </a:solidFill>
+                      <a:prstDash val="solid"/>
+                      <a:round/>
+                      <a:headEnd type="none" w="med" len="med"/>
+                      <a:tailEnd type="none" w="med" len="med"/>
+                    </a:lnR>
+                    <a:lnT w="12700" cap="flat" cmpd="sng" algn="ctr">
+                      <a:solidFill>
+                        <a:schemeClr val="tx1"/>
+                      </a:solidFill>
+                      <a:prstDash val="solid"/>
+                      <a:round/>
+                      <a:headEnd type="none" w="med" len="med"/>
+                      <a:tailEnd type="none" w="med" len="med"/>
+                    </a:lnT>
+                    <a:lnB w="12700" cap="flat" cmpd="sng" algn="ctr">
+                      <a:solidFill>
+                        <a:schemeClr val="tx1"/>
+                      </a:solidFill>
+                      <a:prstDash val="solid"/>
+                      <a:round/>
+                      <a:headEnd type="none" w="med" len="med"/>
+                      <a:tailEnd type="none" w="med" len="med"/>
+                    </a:lnB>
+                    <a:solidFill>
+                      <a:schemeClr val="accent6">
+                        <a:lumMod val="20000"/>
+                        <a:lumOff val="80000"/>
+                      </a:schemeClr>
+                    </a:solidFill>
+                  </a:tcPr>
+                </a:tc>
+                <a:tc>
+                  <a:txBody>
+                    <a:bodyPr/>
+                    <a:lstStyle/>
+                    <a:p>
+                      <a:endParaRPr lang="en-US"/>
+                    </a:p>
+                  </a:txBody>
+                  <a:tcPr>
+                    <a:lnL w="12700" cap="flat" cmpd="sng" algn="ctr">
+                      <a:solidFill>
+                        <a:schemeClr val="tx1"/>
+                      </a:solidFill>
+                      <a:prstDash val="solid"/>
+                      <a:round/>
+                      <a:headEnd type="none" w="med" len="med"/>
+                      <a:tailEnd type="none" w="med" len="med"/>
+                    </a:lnL>
+                    <a:lnR w="12700" cap="flat" cmpd="sng" algn="ctr">
+                      <a:solidFill>
+                        <a:schemeClr val="tx1"/>
+                      </a:solidFill>
+                      <a:prstDash val="solid"/>
+                      <a:round/>
+                      <a:headEnd type="none" w="med" len="med"/>
+                      <a:tailEnd type="none" w="med" len="med"/>
+                    </a:lnR>
+                    <a:lnT w="12700" cap="flat" cmpd="sng" algn="ctr">
+                      <a:solidFill>
+                        <a:schemeClr val="tx1"/>
+                      </a:solidFill>
+                      <a:prstDash val="solid"/>
+                      <a:round/>
+                      <a:headEnd type="none" w="med" len="med"/>
+                      <a:tailEnd type="none" w="med" len="med"/>
+                    </a:lnT>
+                    <a:lnB w="12700" cap="flat" cmpd="sng" algn="ctr">
+                      <a:solidFill>
+                        <a:schemeClr val="tx1"/>
+                      </a:solidFill>
+                      <a:prstDash val="solid"/>
+                      <a:round/>
+                      <a:headEnd type="none" w="med" len="med"/>
+                      <a:tailEnd type="none" w="med" len="med"/>
+                    </a:lnB>
+                    <a:solidFill>
+                      <a:schemeClr val="accent6">
+                        <a:lumMod val="20000"/>
+                        <a:lumOff val="80000"/>
+                      </a:schemeClr>
+                    </a:solidFill>
+                  </a:tcPr>
+                </a:tc>
+                <a:tc>
+                  <a:txBody>
+                    <a:bodyPr/>
+                    <a:lstStyle/>
+                    <a:p>
+                      <a:endParaRPr lang="en-US"/>
+                    </a:p>
+                  </a:txBody>
+                  <a:tcPr>
+                    <a:lnL w="12700" cap="flat" cmpd="sng" algn="ctr">
+                      <a:solidFill>
+                        <a:schemeClr val="tx1"/>
+                      </a:solidFill>
+                      <a:prstDash val="solid"/>
+                      <a:round/>
+                      <a:headEnd type="none" w="med" len="med"/>
+                      <a:tailEnd type="none" w="med" len="med"/>
+                    </a:lnL>
+                    <a:lnR w="12700" cap="flat" cmpd="sng" algn="ctr">
+                      <a:solidFill>
+                        <a:schemeClr val="tx1"/>
+                      </a:solidFill>
+                      <a:prstDash val="solid"/>
+                      <a:round/>
+                      <a:headEnd type="none" w="med" len="med"/>
+                      <a:tailEnd type="none" w="med" len="med"/>
+                    </a:lnR>
+                    <a:lnT w="12700" cap="flat" cmpd="sng" algn="ctr">
+                      <a:solidFill>
+                        <a:schemeClr val="tx1"/>
+                      </a:solidFill>
+                      <a:prstDash val="solid"/>
+                      <a:round/>
+                      <a:headEnd type="none" w="med" len="med"/>
+                      <a:tailEnd type="none" w="med" len="med"/>
+                    </a:lnT>
+                    <a:lnB w="12700" cap="flat" cmpd="sng" algn="ctr">
+                      <a:solidFill>
+                        <a:schemeClr val="tx1"/>
+                      </a:solidFill>
+                      <a:prstDash val="solid"/>
+                      <a:round/>
+                      <a:headEnd type="none" w="med" len="med"/>
+                      <a:tailEnd type="none" w="med" len="med"/>
+                    </a:lnB>
+                    <a:solidFill>
+                      <a:schemeClr val="accent6">
+                        <a:lumMod val="20000"/>
+                        <a:lumOff val="80000"/>
+                      </a:schemeClr>
+                    </a:solidFill>
+                  </a:tcPr>
+                </a:tc>
+                <a:tc>
+                  <a:txBody>
+                    <a:bodyPr/>
+                    <a:lstStyle/>
+                    <a:p>
+                      <a:endParaRPr lang="en-US"/>
+                    </a:p>
+                  </a:txBody>
+                  <a:tcPr>
+                    <a:lnL w="12700" cap="flat" cmpd="sng" algn="ctr">
+                      <a:solidFill>
+                        <a:schemeClr val="tx1"/>
+                      </a:solidFill>
+                      <a:prstDash val="solid"/>
+                      <a:round/>
+                      <a:headEnd type="none" w="med" len="med"/>
+                      <a:tailEnd type="none" w="med" len="med"/>
+                    </a:lnL>
+                    <a:lnR w="12700" cap="flat" cmpd="sng" algn="ctr">
+                      <a:solidFill>
+                        <a:schemeClr val="tx1"/>
+                      </a:solidFill>
+                      <a:prstDash val="solid"/>
+                      <a:round/>
+                      <a:headEnd type="none" w="med" len="med"/>
+                      <a:tailEnd type="none" w="med" len="med"/>
+                    </a:lnR>
+                    <a:lnT w="12700" cap="flat" cmpd="sng" algn="ctr">
+                      <a:solidFill>
+                        <a:schemeClr val="tx1"/>
+                      </a:solidFill>
+                      <a:prstDash val="solid"/>
+                      <a:round/>
+                      <a:headEnd type="none" w="med" len="med"/>
+                      <a:tailEnd type="none" w="med" len="med"/>
+                    </a:lnT>
+                    <a:lnB w="12700" cap="flat" cmpd="sng" algn="ctr">
+                      <a:solidFill>
+                        <a:schemeClr val="tx1"/>
+                      </a:solidFill>
+                      <a:prstDash val="solid"/>
+                      <a:round/>
+                      <a:headEnd type="none" w="med" len="med"/>
+                      <a:tailEnd type="none" w="med" len="med"/>
+                    </a:lnB>
+                    <a:solidFill>
+                      <a:schemeClr val="accent6">
+                        <a:lumMod val="20000"/>
+                        <a:lumOff val="80000"/>
+                      </a:schemeClr>
+                    </a:solidFill>
+                  </a:tcPr>
+                </a:tc>
+                <a:tc>
+                  <a:txBody>
+                    <a:bodyPr/>
+                    <a:lstStyle/>
+                    <a:p>
+                      <a:endParaRPr lang="en-US"/>
+                    </a:p>
+                  </a:txBody>
+                  <a:tcPr>
+                    <a:lnL w="12700" cap="flat" cmpd="sng" algn="ctr">
+                      <a:solidFill>
+                        <a:schemeClr val="tx1"/>
+                      </a:solidFill>
+                      <a:prstDash val="solid"/>
+                      <a:round/>
+                      <a:headEnd type="none" w="med" len="med"/>
+                      <a:tailEnd type="none" w="med" len="med"/>
+                    </a:lnL>
+                    <a:lnR w="12700" cap="flat" cmpd="sng" algn="ctr">
+                      <a:solidFill>
+                        <a:schemeClr val="tx1"/>
+                      </a:solidFill>
+                      <a:prstDash val="solid"/>
+                      <a:round/>
+                      <a:headEnd type="none" w="med" len="med"/>
+                      <a:tailEnd type="none" w="med" len="med"/>
+                    </a:lnR>
+                    <a:lnT w="12700" cap="flat" cmpd="sng" algn="ctr">
+                      <a:solidFill>
+                        <a:schemeClr val="tx1"/>
+                      </a:solidFill>
+                      <a:prstDash val="solid"/>
+                      <a:round/>
+                      <a:headEnd type="none" w="med" len="med"/>
+                      <a:tailEnd type="none" w="med" len="med"/>
+                    </a:lnT>
+                    <a:lnB w="12700" cap="flat" cmpd="sng" algn="ctr">
+                      <a:solidFill>
+                        <a:schemeClr val="tx1"/>
+                      </a:solidFill>
+                      <a:prstDash val="solid"/>
+                      <a:round/>
+                      <a:headEnd type="none" w="med" len="med"/>
+                      <a:tailEnd type="none" w="med" len="med"/>
+                    </a:lnB>
+                    <a:solidFill>
+                      <a:schemeClr val="accent6">
+                        <a:lumMod val="20000"/>
+                        <a:lumOff val="80000"/>
+                      </a:schemeClr>
+                    </a:solidFill>
+                  </a:tcPr>
+                </a:tc>
+                <a:tc>
+                  <a:txBody>
+                    <a:bodyPr/>
+                    <a:lstStyle/>
+                    <a:p>
+                      <a:endParaRPr lang="en-US" dirty="0"/>
+                    </a:p>
+                  </a:txBody>
+                  <a:tcPr>
+                    <a:lnL w="12700" cap="flat" cmpd="sng" algn="ctr">
+                      <a:solidFill>
+                        <a:schemeClr val="tx1"/>
+                      </a:solidFill>
+                      <a:prstDash val="solid"/>
+                      <a:round/>
+                      <a:headEnd type="none" w="med" len="med"/>
+                      <a:tailEnd type="none" w="med" len="med"/>
+                    </a:lnL>
+                    <a:lnR w="12700" cap="flat" cmpd="sng" algn="ctr">
+                      <a:solidFill>
+                        <a:schemeClr val="tx1"/>
+                      </a:solidFill>
+                      <a:prstDash val="solid"/>
+                      <a:round/>
+                      <a:headEnd type="none" w="med" len="med"/>
+                      <a:tailEnd type="none" w="med" len="med"/>
+                    </a:lnR>
+                    <a:lnT w="12700" cap="flat" cmpd="sng" algn="ctr">
+                      <a:solidFill>
+                        <a:schemeClr val="tx1"/>
+                      </a:solidFill>
+                      <a:prstDash val="solid"/>
+                      <a:round/>
+                      <a:headEnd type="none" w="med" len="med"/>
+                      <a:tailEnd type="none" w="med" len="med"/>
+                    </a:lnT>
+                    <a:lnB w="12700" cap="flat" cmpd="sng" algn="ctr">
+                      <a:solidFill>
+                        <a:schemeClr val="tx1"/>
+                      </a:solidFill>
+                      <a:prstDash val="solid"/>
+                      <a:round/>
+                      <a:headEnd type="none" w="med" len="med"/>
+                      <a:tailEnd type="none" w="med" len="med"/>
+                    </a:lnB>
+                    <a:solidFill>
+                      <a:schemeClr val="accent6">
+                        <a:lumMod val="20000"/>
+                        <a:lumOff val="80000"/>
+                      </a:schemeClr>
+                    </a:solidFill>
+                  </a:tcPr>
+                </a:tc>
+                <a:tc>
+                  <a:txBody>
+                    <a:bodyPr/>
+                    <a:lstStyle/>
+                    <a:p>
+                      <a:endParaRPr lang="en-US" dirty="0"/>
+                    </a:p>
+                  </a:txBody>
+                  <a:tcPr>
+                    <a:lnL w="12700" cap="flat" cmpd="sng" algn="ctr">
+                      <a:solidFill>
+                        <a:schemeClr val="tx1"/>
+                      </a:solidFill>
+                      <a:prstDash val="solid"/>
+                      <a:round/>
+                      <a:headEnd type="none" w="med" len="med"/>
+                      <a:tailEnd type="none" w="med" len="med"/>
+                    </a:lnL>
+                    <a:lnR w="12700" cap="flat" cmpd="sng" algn="ctr">
+                      <a:noFill/>
+                      <a:prstDash val="solid"/>
+                      <a:round/>
+                      <a:headEnd type="none" w="med" len="med"/>
+                      <a:tailEnd type="none" w="med" len="med"/>
+                    </a:lnR>
+                    <a:lnT w="12700" cap="flat" cmpd="sng" algn="ctr">
+                      <a:solidFill>
+                        <a:schemeClr val="tx1"/>
+                      </a:solidFill>
+                      <a:prstDash val="sysDash"/>
+                      <a:round/>
+                      <a:headEnd type="none" w="med" len="med"/>
+                      <a:tailEnd type="none" w="med" len="med"/>
+                    </a:lnT>
+                    <a:lnB w="12700" cap="flat" cmpd="sng" algn="ctr">
+                      <a:solidFill>
+                        <a:schemeClr val="tx1"/>
+                      </a:solidFill>
+                      <a:prstDash val="sysDash"/>
+                      <a:round/>
+                      <a:headEnd type="none" w="med" len="med"/>
+                      <a:tailEnd type="none" w="med" len="med"/>
+                    </a:lnB>
+                    <a:lnTlToBr w="12700" cmpd="sng">
+                      <a:noFill/>
+                      <a:prstDash val="solid"/>
+                    </a:lnTlToBr>
+                    <a:lnBlToTr w="12700" cmpd="sng">
+                      <a:noFill/>
+                      <a:prstDash val="solid"/>
+                    </a:lnBlToTr>
+                    <a:gradFill flip="none" rotWithShape="1">
+                      <a:gsLst>
+                        <a:gs pos="0">
+                          <a:schemeClr val="accent6">
+                            <a:lumMod val="20000"/>
+                            <a:lumOff val="80000"/>
+                          </a:schemeClr>
+                        </a:gs>
+                        <a:gs pos="100000">
+                          <a:schemeClr val="bg1"/>
+                        </a:gs>
+                      </a:gsLst>
+                      <a:lin ang="0" scaled="0"/>
+                      <a:tileRect/>
+                    </a:gradFill>
+                  </a:tcPr>
+                </a:tc>
+                <a:extLst>
+                  <a:ext uri="{0D108BD9-81ED-4DB2-BD59-A6C34878D82A}">
+                    <a16:rowId xmlns:a16="http://schemas.microsoft.com/office/drawing/2014/main" val="4173882030"/>
+                  </a:ext>
+                </a:extLst>
+              </a:tr>
+              <a:tr h="744341">
+                <a:tc>
+                  <a:txBody>
+                    <a:bodyPr/>
+                    <a:lstStyle/>
+                    <a:p>
+                      <a:endParaRPr lang="en-US"/>
+                    </a:p>
+                  </a:txBody>
+                  <a:tcPr>
+                    <a:lnL w="12700" cap="flat" cmpd="sng" algn="ctr">
+                      <a:solidFill>
+                        <a:schemeClr val="tx1"/>
+                      </a:solidFill>
+                      <a:prstDash val="solid"/>
+                      <a:round/>
+                      <a:headEnd type="none" w="med" len="med"/>
+                      <a:tailEnd type="none" w="med" len="med"/>
+                    </a:lnL>
+                    <a:lnR w="12700" cap="flat" cmpd="sng" algn="ctr">
+                      <a:solidFill>
+                        <a:schemeClr val="tx1"/>
+                      </a:solidFill>
+                      <a:prstDash val="solid"/>
+                      <a:round/>
+                      <a:headEnd type="none" w="med" len="med"/>
+                      <a:tailEnd type="none" w="med" len="med"/>
+                    </a:lnR>
+                    <a:lnT w="12700" cap="flat" cmpd="sng" algn="ctr">
+                      <a:solidFill>
+                        <a:schemeClr val="tx1"/>
+                      </a:solidFill>
+                      <a:prstDash val="solid"/>
+                      <a:round/>
+                      <a:headEnd type="none" w="med" len="med"/>
+                      <a:tailEnd type="none" w="med" len="med"/>
+                    </a:lnT>
+                    <a:lnB w="12700" cap="flat" cmpd="sng" algn="ctr">
+                      <a:solidFill>
+                        <a:schemeClr val="tx1"/>
+                      </a:solidFill>
+                      <a:prstDash val="solid"/>
+                      <a:round/>
+                      <a:headEnd type="none" w="med" len="med"/>
+                      <a:tailEnd type="none" w="med" len="med"/>
+                    </a:lnB>
+                    <a:solidFill>
+                      <a:schemeClr val="accent6">
+                        <a:lumMod val="20000"/>
+                        <a:lumOff val="80000"/>
+                      </a:schemeClr>
+                    </a:solidFill>
+                  </a:tcPr>
+                </a:tc>
+                <a:tc>
+                  <a:txBody>
+                    <a:bodyPr/>
+                    <a:lstStyle/>
+                    <a:p>
+                      <a:endParaRPr lang="en-US" dirty="0"/>
+                    </a:p>
+                  </a:txBody>
+                  <a:tcPr>
+                    <a:lnL w="12700" cap="flat" cmpd="sng" algn="ctr">
+                      <a:solidFill>
+                        <a:schemeClr val="tx1"/>
+                      </a:solidFill>
+                      <a:prstDash val="solid"/>
+                      <a:round/>
+                      <a:headEnd type="none" w="med" len="med"/>
+                      <a:tailEnd type="none" w="med" len="med"/>
+                    </a:lnL>
+                    <a:lnR w="12700" cap="flat" cmpd="sng" algn="ctr">
+                      <a:solidFill>
+                        <a:schemeClr val="tx1"/>
+                      </a:solidFill>
+                      <a:prstDash val="solid"/>
+                      <a:round/>
+                      <a:headEnd type="none" w="med" len="med"/>
+                      <a:tailEnd type="none" w="med" len="med"/>
+                    </a:lnR>
+                    <a:lnT w="12700" cap="flat" cmpd="sng" algn="ctr">
+                      <a:solidFill>
+                        <a:schemeClr val="tx1"/>
+                      </a:solidFill>
+                      <a:prstDash val="solid"/>
+                      <a:round/>
+                      <a:headEnd type="none" w="med" len="med"/>
+                      <a:tailEnd type="none" w="med" len="med"/>
+                    </a:lnT>
+                    <a:lnB w="12700" cap="flat" cmpd="sng" algn="ctr">
+                      <a:solidFill>
+                        <a:schemeClr val="tx1"/>
+                      </a:solidFill>
+                      <a:prstDash val="solid"/>
+                      <a:round/>
+                      <a:headEnd type="none" w="med" len="med"/>
+                      <a:tailEnd type="none" w="med" len="med"/>
+                    </a:lnB>
+                    <a:solidFill>
+                      <a:schemeClr val="accent6">
+                        <a:lumMod val="60000"/>
+                        <a:lumOff val="40000"/>
+                      </a:schemeClr>
+                    </a:solidFill>
+                  </a:tcPr>
+                </a:tc>
+                <a:tc>
+                  <a:txBody>
+                    <a:bodyPr/>
+                    <a:lstStyle/>
+                    <a:p>
+                      <a:endParaRPr lang="en-US" dirty="0"/>
+                    </a:p>
+                  </a:txBody>
+                  <a:tcPr>
+                    <a:lnL w="12700" cap="flat" cmpd="sng" algn="ctr">
+                      <a:solidFill>
+                        <a:schemeClr val="tx1"/>
+                      </a:solidFill>
+                      <a:prstDash val="solid"/>
+                      <a:round/>
+                      <a:headEnd type="none" w="med" len="med"/>
+                      <a:tailEnd type="none" w="med" len="med"/>
+                    </a:lnL>
+                    <a:lnR w="12700" cap="flat" cmpd="sng" algn="ctr">
+                      <a:solidFill>
+                        <a:schemeClr val="tx1"/>
+                      </a:solidFill>
+                      <a:prstDash val="solid"/>
+                      <a:round/>
+                      <a:headEnd type="none" w="med" len="med"/>
+                      <a:tailEnd type="none" w="med" len="med"/>
+                    </a:lnR>
+                    <a:lnT w="12700" cap="flat" cmpd="sng" algn="ctr">
+                      <a:solidFill>
+                        <a:schemeClr val="tx1"/>
+                      </a:solidFill>
+                      <a:prstDash val="solid"/>
+                      <a:round/>
+                      <a:headEnd type="none" w="med" len="med"/>
+                      <a:tailEnd type="none" w="med" len="med"/>
+                    </a:lnT>
+                    <a:lnB w="12700" cap="flat" cmpd="sng" algn="ctr">
+                      <a:solidFill>
+                        <a:schemeClr val="tx1"/>
+                      </a:solidFill>
+                      <a:prstDash val="solid"/>
+                      <a:round/>
+                      <a:headEnd type="none" w="med" len="med"/>
+                      <a:tailEnd type="none" w="med" len="med"/>
+                    </a:lnB>
+                    <a:solidFill>
+                      <a:schemeClr val="accent6">
+                        <a:lumMod val="60000"/>
+                        <a:lumOff val="40000"/>
+                      </a:schemeClr>
+                    </a:solidFill>
+                  </a:tcPr>
+                </a:tc>
+                <a:tc>
+                  <a:txBody>
+                    <a:bodyPr/>
+                    <a:lstStyle/>
+                    <a:p>
+                      <a:endParaRPr lang="en-US"/>
+                    </a:p>
+                  </a:txBody>
+                  <a:tcPr>
+                    <a:lnL w="12700" cap="flat" cmpd="sng" algn="ctr">
+                      <a:solidFill>
+                        <a:schemeClr val="tx1"/>
+                      </a:solidFill>
+                      <a:prstDash val="solid"/>
+                      <a:round/>
+                      <a:headEnd type="none" w="med" len="med"/>
+                      <a:tailEnd type="none" w="med" len="med"/>
+                    </a:lnL>
+                    <a:lnR w="12700" cap="flat" cmpd="sng" algn="ctr">
+                      <a:solidFill>
+                        <a:schemeClr val="tx1"/>
+                      </a:solidFill>
+                      <a:prstDash val="solid"/>
+                      <a:round/>
+                      <a:headEnd type="none" w="med" len="med"/>
+                      <a:tailEnd type="none" w="med" len="med"/>
+                    </a:lnR>
+                    <a:lnT w="12700" cap="flat" cmpd="sng" algn="ctr">
+                      <a:solidFill>
+                        <a:schemeClr val="tx1"/>
+                      </a:solidFill>
+                      <a:prstDash val="solid"/>
+                      <a:round/>
+                      <a:headEnd type="none" w="med" len="med"/>
+                      <a:tailEnd type="none" w="med" len="med"/>
+                    </a:lnT>
+                    <a:lnB w="12700" cap="flat" cmpd="sng" algn="ctr">
+                      <a:solidFill>
+                        <a:schemeClr val="tx1"/>
+                      </a:solidFill>
+                      <a:prstDash val="solid"/>
+                      <a:round/>
+                      <a:headEnd type="none" w="med" len="med"/>
+                      <a:tailEnd type="none" w="med" len="med"/>
+                    </a:lnB>
+                    <a:solidFill>
+                      <a:schemeClr val="accent6">
+                        <a:lumMod val="60000"/>
+                        <a:lumOff val="40000"/>
+                      </a:schemeClr>
+                    </a:solidFill>
+                  </a:tcPr>
+                </a:tc>
+                <a:tc>
+                  <a:txBody>
+                    <a:bodyPr/>
+                    <a:lstStyle/>
+                    <a:p>
+                      <a:endParaRPr lang="en-US"/>
+                    </a:p>
+                  </a:txBody>
+                  <a:tcPr>
+                    <a:lnL w="12700" cap="flat" cmpd="sng" algn="ctr">
+                      <a:solidFill>
+                        <a:schemeClr val="tx1"/>
+                      </a:solidFill>
+                      <a:prstDash val="solid"/>
+                      <a:round/>
+                      <a:headEnd type="none" w="med" len="med"/>
+                      <a:tailEnd type="none" w="med" len="med"/>
+                    </a:lnL>
+                    <a:lnR w="12700" cap="flat" cmpd="sng" algn="ctr">
+                      <a:solidFill>
+                        <a:schemeClr val="tx1"/>
+                      </a:solidFill>
+                      <a:prstDash val="solid"/>
+                      <a:round/>
+                      <a:headEnd type="none" w="med" len="med"/>
+                      <a:tailEnd type="none" w="med" len="med"/>
+                    </a:lnR>
+                    <a:lnT w="12700" cap="flat" cmpd="sng" algn="ctr">
+                      <a:solidFill>
+                        <a:schemeClr val="tx1"/>
+                      </a:solidFill>
+                      <a:prstDash val="solid"/>
+                      <a:round/>
+                      <a:headEnd type="none" w="med" len="med"/>
+                      <a:tailEnd type="none" w="med" len="med"/>
+                    </a:lnT>
+                    <a:lnB w="12700" cap="flat" cmpd="sng" algn="ctr">
+                      <a:solidFill>
+                        <a:schemeClr val="tx1"/>
+                      </a:solidFill>
+                      <a:prstDash val="solid"/>
+                      <a:round/>
+                      <a:headEnd type="none" w="med" len="med"/>
+                      <a:tailEnd type="none" w="med" len="med"/>
+                    </a:lnB>
+                    <a:solidFill>
+                      <a:schemeClr val="accent6">
+                        <a:lumMod val="20000"/>
+                        <a:lumOff val="80000"/>
+                      </a:schemeClr>
+                    </a:solidFill>
+                  </a:tcPr>
+                </a:tc>
+                <a:tc>
+                  <a:txBody>
+                    <a:bodyPr/>
+                    <a:lstStyle/>
+                    <a:p>
+                      <a:endParaRPr lang="en-US" dirty="0"/>
+                    </a:p>
+                  </a:txBody>
+                  <a:tcPr>
+                    <a:lnL w="12700" cap="flat" cmpd="sng" algn="ctr">
+                      <a:solidFill>
+                        <a:schemeClr val="tx1"/>
+                      </a:solidFill>
+                      <a:prstDash val="solid"/>
+                      <a:round/>
+                      <a:headEnd type="none" w="med" len="med"/>
+                      <a:tailEnd type="none" w="med" len="med"/>
+                    </a:lnL>
+                    <a:lnR w="12700" cap="flat" cmpd="sng" algn="ctr">
+                      <a:solidFill>
+                        <a:schemeClr val="tx1"/>
+                      </a:solidFill>
+                      <a:prstDash val="solid"/>
+                      <a:round/>
+                      <a:headEnd type="none" w="med" len="med"/>
+                      <a:tailEnd type="none" w="med" len="med"/>
+                    </a:lnR>
+                    <a:lnT w="12700" cap="flat" cmpd="sng" algn="ctr">
+                      <a:solidFill>
+                        <a:schemeClr val="tx1"/>
+                      </a:solidFill>
+                      <a:prstDash val="solid"/>
+                      <a:round/>
+                      <a:headEnd type="none" w="med" len="med"/>
+                      <a:tailEnd type="none" w="med" len="med"/>
+                    </a:lnT>
+                    <a:lnB w="12700" cap="flat" cmpd="sng" algn="ctr">
+                      <a:solidFill>
+                        <a:schemeClr val="tx1"/>
+                      </a:solidFill>
+                      <a:prstDash val="solid"/>
+                      <a:round/>
+                      <a:headEnd type="none" w="med" len="med"/>
+                      <a:tailEnd type="none" w="med" len="med"/>
+                    </a:lnB>
+                    <a:solidFill>
+                      <a:schemeClr val="accent6">
+                        <a:lumMod val="20000"/>
+                        <a:lumOff val="80000"/>
+                      </a:schemeClr>
+                    </a:solidFill>
+                  </a:tcPr>
+                </a:tc>
+                <a:tc>
+                  <a:txBody>
+                    <a:bodyPr/>
+                    <a:lstStyle/>
+                    <a:p>
+                      <a:endParaRPr lang="en-US" dirty="0"/>
+                    </a:p>
+                  </a:txBody>
+                  <a:tcPr>
+                    <a:lnL w="12700" cap="flat" cmpd="sng" algn="ctr">
+                      <a:solidFill>
+                        <a:schemeClr val="tx1"/>
+                      </a:solidFill>
+                      <a:prstDash val="solid"/>
+                      <a:round/>
+                      <a:headEnd type="none" w="med" len="med"/>
+                      <a:tailEnd type="none" w="med" len="med"/>
+                    </a:lnL>
+                    <a:lnR w="12700" cap="flat" cmpd="sng" algn="ctr">
+                      <a:noFill/>
+                      <a:prstDash val="solid"/>
+                      <a:round/>
+                      <a:headEnd type="none" w="med" len="med"/>
+                      <a:tailEnd type="none" w="med" len="med"/>
+                    </a:lnR>
+                    <a:lnT w="12700" cap="flat" cmpd="sng" algn="ctr">
+                      <a:solidFill>
+                        <a:schemeClr val="tx1"/>
+                      </a:solidFill>
+                      <a:prstDash val="sysDash"/>
+                      <a:round/>
+                      <a:headEnd type="none" w="med" len="med"/>
+                      <a:tailEnd type="none" w="med" len="med"/>
+                    </a:lnT>
+                    <a:lnB w="12700" cap="flat" cmpd="sng" algn="ctr">
+                      <a:solidFill>
+                        <a:schemeClr val="tx1"/>
+                      </a:solidFill>
+                      <a:prstDash val="sysDash"/>
+                      <a:round/>
+                      <a:headEnd type="none" w="med" len="med"/>
+                      <a:tailEnd type="none" w="med" len="med"/>
+                    </a:lnB>
+                    <a:lnTlToBr w="12700" cmpd="sng">
+                      <a:noFill/>
+                      <a:prstDash val="solid"/>
+                    </a:lnTlToBr>
+                    <a:lnBlToTr w="12700" cmpd="sng">
+                      <a:noFill/>
+                      <a:prstDash val="solid"/>
+                    </a:lnBlToTr>
+                    <a:gradFill flip="none" rotWithShape="1">
+                      <a:gsLst>
+                        <a:gs pos="0">
+                          <a:schemeClr val="accent6">
+                            <a:lumMod val="20000"/>
+                            <a:lumOff val="80000"/>
+                          </a:schemeClr>
+                        </a:gs>
+                        <a:gs pos="100000">
+                          <a:schemeClr val="bg1"/>
+                        </a:gs>
+                      </a:gsLst>
+                      <a:lin ang="0" scaled="0"/>
+                      <a:tileRect/>
+                    </a:gradFill>
+                  </a:tcPr>
+                </a:tc>
+                <a:extLst>
+                  <a:ext uri="{0D108BD9-81ED-4DB2-BD59-A6C34878D82A}">
+                    <a16:rowId xmlns:a16="http://schemas.microsoft.com/office/drawing/2014/main" val="3656404906"/>
+                  </a:ext>
+                </a:extLst>
+              </a:tr>
+              <a:tr h="744341">
+                <a:tc>
+                  <a:txBody>
+                    <a:bodyPr/>
+                    <a:lstStyle/>
+                    <a:p>
+                      <a:endParaRPr lang="en-US"/>
+                    </a:p>
+                  </a:txBody>
+                  <a:tcPr>
+                    <a:lnL w="12700" cap="flat" cmpd="sng" algn="ctr">
+                      <a:solidFill>
+                        <a:schemeClr val="tx1"/>
+                      </a:solidFill>
+                      <a:prstDash val="solid"/>
+                      <a:round/>
+                      <a:headEnd type="none" w="med" len="med"/>
+                      <a:tailEnd type="none" w="med" len="med"/>
+                    </a:lnL>
+                    <a:lnR w="12700" cap="flat" cmpd="sng" algn="ctr">
+                      <a:solidFill>
+                        <a:schemeClr val="tx1"/>
+                      </a:solidFill>
+                      <a:prstDash val="solid"/>
+                      <a:round/>
+                      <a:headEnd type="none" w="med" len="med"/>
+                      <a:tailEnd type="none" w="med" len="med"/>
+                    </a:lnR>
+                    <a:lnT w="12700" cap="flat" cmpd="sng" algn="ctr">
+                      <a:solidFill>
+                        <a:schemeClr val="tx1"/>
+                      </a:solidFill>
+                      <a:prstDash val="solid"/>
+                      <a:round/>
+                      <a:headEnd type="none" w="med" len="med"/>
+                      <a:tailEnd type="none" w="med" len="med"/>
+                    </a:lnT>
+                    <a:lnB w="12700" cap="flat" cmpd="sng" algn="ctr">
+                      <a:solidFill>
+                        <a:schemeClr val="tx1"/>
+                      </a:solidFill>
+                      <a:prstDash val="solid"/>
+                      <a:round/>
+                      <a:headEnd type="none" w="med" len="med"/>
+                      <a:tailEnd type="none" w="med" len="med"/>
+                    </a:lnB>
+                    <a:solidFill>
+                      <a:schemeClr val="accent6">
+                        <a:lumMod val="20000"/>
+                        <a:lumOff val="80000"/>
+                      </a:schemeClr>
+                    </a:solidFill>
+                  </a:tcPr>
+                </a:tc>
+                <a:tc>
+                  <a:txBody>
+                    <a:bodyPr/>
+                    <a:lstStyle/>
+                    <a:p>
+                      <a:endParaRPr lang="en-US" dirty="0"/>
+                    </a:p>
+                  </a:txBody>
+                  <a:tcPr>
+                    <a:lnL w="12700" cap="flat" cmpd="sng" algn="ctr">
+                      <a:solidFill>
+                        <a:schemeClr val="tx1"/>
+                      </a:solidFill>
+                      <a:prstDash val="solid"/>
+                      <a:round/>
+                      <a:headEnd type="none" w="med" len="med"/>
+                      <a:tailEnd type="none" w="med" len="med"/>
+                    </a:lnL>
+                    <a:lnR w="12700" cap="flat" cmpd="sng" algn="ctr">
+                      <a:solidFill>
+                        <a:schemeClr val="tx1"/>
+                      </a:solidFill>
+                      <a:prstDash val="solid"/>
+                      <a:round/>
+                      <a:headEnd type="none" w="med" len="med"/>
+                      <a:tailEnd type="none" w="med" len="med"/>
+                    </a:lnR>
+                    <a:lnT w="12700" cap="flat" cmpd="sng" algn="ctr">
+                      <a:solidFill>
+                        <a:schemeClr val="tx1"/>
+                      </a:solidFill>
+                      <a:prstDash val="solid"/>
+                      <a:round/>
+                      <a:headEnd type="none" w="med" len="med"/>
+                      <a:tailEnd type="none" w="med" len="med"/>
+                    </a:lnT>
+                    <a:lnB w="12700" cap="flat" cmpd="sng" algn="ctr">
+                      <a:solidFill>
+                        <a:schemeClr val="tx1"/>
+                      </a:solidFill>
+                      <a:prstDash val="solid"/>
+                      <a:round/>
+                      <a:headEnd type="none" w="med" len="med"/>
+                      <a:tailEnd type="none" w="med" len="med"/>
+                    </a:lnB>
+                    <a:solidFill>
+                      <a:schemeClr val="accent6">
+                        <a:lumMod val="60000"/>
+                        <a:lumOff val="40000"/>
+                      </a:schemeClr>
+                    </a:solidFill>
+                  </a:tcPr>
+                </a:tc>
+                <a:tc>
+                  <a:txBody>
+                    <a:bodyPr/>
+                    <a:lstStyle/>
+                    <a:p>
+                      <a:endParaRPr lang="en-US" dirty="0"/>
+                    </a:p>
+                  </a:txBody>
+                  <a:tcPr>
+                    <a:lnL w="12700" cap="flat" cmpd="sng" algn="ctr">
+                      <a:solidFill>
+                        <a:schemeClr val="tx1"/>
+                      </a:solidFill>
+                      <a:prstDash val="solid"/>
+                      <a:round/>
+                      <a:headEnd type="none" w="med" len="med"/>
+                      <a:tailEnd type="none" w="med" len="med"/>
+                    </a:lnL>
+                    <a:lnR w="12700" cap="flat" cmpd="sng" algn="ctr">
+                      <a:solidFill>
+                        <a:schemeClr val="tx1"/>
+                      </a:solidFill>
+                      <a:prstDash val="solid"/>
+                      <a:round/>
+                      <a:headEnd type="none" w="med" len="med"/>
+                      <a:tailEnd type="none" w="med" len="med"/>
+                    </a:lnR>
+                    <a:lnT w="12700" cap="flat" cmpd="sng" algn="ctr">
+                      <a:solidFill>
+                        <a:schemeClr val="tx1"/>
+                      </a:solidFill>
+                      <a:prstDash val="solid"/>
+                      <a:round/>
+                      <a:headEnd type="none" w="med" len="med"/>
+                      <a:tailEnd type="none" w="med" len="med"/>
+                    </a:lnT>
+                    <a:lnB w="12700" cap="flat" cmpd="sng" algn="ctr">
+                      <a:solidFill>
+                        <a:schemeClr val="tx1"/>
+                      </a:solidFill>
+                      <a:prstDash val="solid"/>
+                      <a:round/>
+                      <a:headEnd type="none" w="med" len="med"/>
+                      <a:tailEnd type="none" w="med" len="med"/>
+                    </a:lnB>
+                    <a:solidFill>
+                      <a:schemeClr val="accent6">
+                        <a:lumMod val="75000"/>
+                      </a:schemeClr>
+                    </a:solidFill>
+                  </a:tcPr>
+                </a:tc>
+                <a:tc>
+                  <a:txBody>
+                    <a:bodyPr/>
+                    <a:lstStyle/>
+                    <a:p>
+                      <a:endParaRPr lang="en-US" dirty="0"/>
+                    </a:p>
+                  </a:txBody>
+                  <a:tcPr>
+                    <a:lnL w="12700" cap="flat" cmpd="sng" algn="ctr">
+                      <a:solidFill>
+                        <a:schemeClr val="tx1"/>
+                      </a:solidFill>
+                      <a:prstDash val="solid"/>
+                      <a:round/>
+                      <a:headEnd type="none" w="med" len="med"/>
+                      <a:tailEnd type="none" w="med" len="med"/>
+                    </a:lnL>
+                    <a:lnR w="12700" cap="flat" cmpd="sng" algn="ctr">
+                      <a:solidFill>
+                        <a:schemeClr val="tx1"/>
+                      </a:solidFill>
+                      <a:prstDash val="solid"/>
+                      <a:round/>
+                      <a:headEnd type="none" w="med" len="med"/>
+                      <a:tailEnd type="none" w="med" len="med"/>
+                    </a:lnR>
+                    <a:lnT w="12700" cap="flat" cmpd="sng" algn="ctr">
+                      <a:solidFill>
+                        <a:schemeClr val="tx1"/>
+                      </a:solidFill>
+                      <a:prstDash val="solid"/>
+                      <a:round/>
+                      <a:headEnd type="none" w="med" len="med"/>
+                      <a:tailEnd type="none" w="med" len="med"/>
+                    </a:lnT>
+                    <a:lnB w="12700" cap="flat" cmpd="sng" algn="ctr">
+                      <a:solidFill>
+                        <a:schemeClr val="tx1"/>
+                      </a:solidFill>
+                      <a:prstDash val="solid"/>
+                      <a:round/>
+                      <a:headEnd type="none" w="med" len="med"/>
+                      <a:tailEnd type="none" w="med" len="med"/>
+                    </a:lnB>
+                    <a:solidFill>
+                      <a:schemeClr val="accent6">
+                        <a:lumMod val="60000"/>
+                        <a:lumOff val="40000"/>
+                      </a:schemeClr>
+                    </a:solidFill>
+                  </a:tcPr>
+                </a:tc>
+                <a:tc>
+                  <a:txBody>
+                    <a:bodyPr/>
+                    <a:lstStyle/>
+                    <a:p>
+                      <a:endParaRPr lang="en-US" dirty="0"/>
+                    </a:p>
+                  </a:txBody>
+                  <a:tcPr>
+                    <a:lnL w="12700" cap="flat" cmpd="sng" algn="ctr">
+                      <a:solidFill>
+                        <a:schemeClr val="tx1"/>
+                      </a:solidFill>
+                      <a:prstDash val="solid"/>
+                      <a:round/>
+                      <a:headEnd type="none" w="med" len="med"/>
+                      <a:tailEnd type="none" w="med" len="med"/>
+                    </a:lnL>
+                    <a:lnR w="12700" cap="flat" cmpd="sng" algn="ctr">
+                      <a:solidFill>
+                        <a:schemeClr val="tx1"/>
+                      </a:solidFill>
+                      <a:prstDash val="solid"/>
+                      <a:round/>
+                      <a:headEnd type="none" w="med" len="med"/>
+                      <a:tailEnd type="none" w="med" len="med"/>
+                    </a:lnR>
+                    <a:lnT w="12700" cap="flat" cmpd="sng" algn="ctr">
+                      <a:solidFill>
+                        <a:schemeClr val="tx1"/>
+                      </a:solidFill>
+                      <a:prstDash val="solid"/>
+                      <a:round/>
+                      <a:headEnd type="none" w="med" len="med"/>
+                      <a:tailEnd type="none" w="med" len="med"/>
+                    </a:lnT>
+                    <a:lnB w="12700" cap="flat" cmpd="sng" algn="ctr">
+                      <a:solidFill>
+                        <a:schemeClr val="tx1"/>
+                      </a:solidFill>
+                      <a:prstDash val="solid"/>
+                      <a:round/>
+                      <a:headEnd type="none" w="med" len="med"/>
+                      <a:tailEnd type="none" w="med" len="med"/>
+                    </a:lnB>
+                    <a:solidFill>
+                      <a:schemeClr val="accent6">
+                        <a:lumMod val="20000"/>
+                        <a:lumOff val="80000"/>
+                      </a:schemeClr>
+                    </a:solidFill>
+                  </a:tcPr>
+                </a:tc>
+                <a:tc>
+                  <a:txBody>
+                    <a:bodyPr/>
+                    <a:lstStyle/>
+                    <a:p>
+                      <a:endParaRPr lang="en-US" dirty="0"/>
+                    </a:p>
+                  </a:txBody>
+                  <a:tcPr>
+                    <a:lnL w="12700" cap="flat" cmpd="sng" algn="ctr">
+                      <a:solidFill>
+                        <a:schemeClr val="tx1"/>
+                      </a:solidFill>
+                      <a:prstDash val="solid"/>
+                      <a:round/>
+                      <a:headEnd type="none" w="med" len="med"/>
+                      <a:tailEnd type="none" w="med" len="med"/>
+                    </a:lnL>
+                    <a:lnR w="12700" cap="flat" cmpd="sng" algn="ctr">
+                      <a:solidFill>
+                        <a:schemeClr val="tx1"/>
+                      </a:solidFill>
+                      <a:prstDash val="solid"/>
+                      <a:round/>
+                      <a:headEnd type="none" w="med" len="med"/>
+                      <a:tailEnd type="none" w="med" len="med"/>
+                    </a:lnR>
+                    <a:lnT w="12700" cap="flat" cmpd="sng" algn="ctr">
+                      <a:solidFill>
+                        <a:schemeClr val="tx1"/>
+                      </a:solidFill>
+                      <a:prstDash val="solid"/>
+                      <a:round/>
+                      <a:headEnd type="none" w="med" len="med"/>
+                      <a:tailEnd type="none" w="med" len="med"/>
+                    </a:lnT>
+                    <a:lnB w="12700" cap="flat" cmpd="sng" algn="ctr">
+                      <a:solidFill>
+                        <a:schemeClr val="tx1"/>
+                      </a:solidFill>
+                      <a:prstDash val="solid"/>
+                      <a:round/>
+                      <a:headEnd type="none" w="med" len="med"/>
+                      <a:tailEnd type="none" w="med" len="med"/>
+                    </a:lnB>
+                    <a:solidFill>
+                      <a:schemeClr val="accent6">
+                        <a:lumMod val="20000"/>
+                        <a:lumOff val="80000"/>
+                      </a:schemeClr>
+                    </a:solidFill>
+                  </a:tcPr>
+                </a:tc>
+                <a:tc>
+                  <a:txBody>
+                    <a:bodyPr/>
+                    <a:lstStyle/>
+                    <a:p>
+                      <a:endParaRPr lang="en-US" dirty="0"/>
+                    </a:p>
+                  </a:txBody>
+                  <a:tcPr>
+                    <a:lnL w="12700" cap="flat" cmpd="sng" algn="ctr">
+                      <a:solidFill>
+                        <a:schemeClr val="tx1"/>
+                      </a:solidFill>
+                      <a:prstDash val="solid"/>
+                      <a:round/>
+                      <a:headEnd type="none" w="med" len="med"/>
+                      <a:tailEnd type="none" w="med" len="med"/>
+                    </a:lnL>
+                    <a:lnR w="12700" cap="flat" cmpd="sng" algn="ctr">
+                      <a:noFill/>
+                      <a:prstDash val="solid"/>
+                      <a:round/>
+                      <a:headEnd type="none" w="med" len="med"/>
+                      <a:tailEnd type="none" w="med" len="med"/>
+                    </a:lnR>
+                    <a:lnT w="12700" cap="flat" cmpd="sng" algn="ctr">
+                      <a:solidFill>
+                        <a:schemeClr val="tx1"/>
+                      </a:solidFill>
+                      <a:prstDash val="sysDash"/>
+                      <a:round/>
+                      <a:headEnd type="none" w="med" len="med"/>
+                      <a:tailEnd type="none" w="med" len="med"/>
+                    </a:lnT>
+                    <a:lnB w="12700" cap="flat" cmpd="sng" algn="ctr">
+                      <a:solidFill>
+                        <a:schemeClr val="tx1"/>
+                      </a:solidFill>
+                      <a:prstDash val="sysDash"/>
+                      <a:round/>
+                      <a:headEnd type="none" w="med" len="med"/>
+                      <a:tailEnd type="none" w="med" len="med"/>
+                    </a:lnB>
+                    <a:lnTlToBr w="12700" cmpd="sng">
+                      <a:noFill/>
+                      <a:prstDash val="solid"/>
+                    </a:lnTlToBr>
+                    <a:lnBlToTr w="12700" cmpd="sng">
+                      <a:noFill/>
+                      <a:prstDash val="solid"/>
+                    </a:lnBlToTr>
+                    <a:gradFill flip="none" rotWithShape="1">
+                      <a:gsLst>
+                        <a:gs pos="0">
+                          <a:schemeClr val="accent6">
+                            <a:lumMod val="20000"/>
+                            <a:lumOff val="80000"/>
+                          </a:schemeClr>
+                        </a:gs>
+                        <a:gs pos="100000">
+                          <a:schemeClr val="bg1"/>
+                        </a:gs>
+                      </a:gsLst>
+                      <a:lin ang="0" scaled="0"/>
+                      <a:tileRect/>
+                    </a:gradFill>
+                  </a:tcPr>
+                </a:tc>
+                <a:extLst>
+                  <a:ext uri="{0D108BD9-81ED-4DB2-BD59-A6C34878D82A}">
+                    <a16:rowId xmlns:a16="http://schemas.microsoft.com/office/drawing/2014/main" val="1155943800"/>
+                  </a:ext>
+                </a:extLst>
+              </a:tr>
+              <a:tr h="744341">
+                <a:tc>
+                  <a:txBody>
+                    <a:bodyPr/>
+                    <a:lstStyle/>
+                    <a:p>
+                      <a:endParaRPr lang="en-US"/>
+                    </a:p>
+                  </a:txBody>
+                  <a:tcPr>
+                    <a:lnL w="12700" cap="flat" cmpd="sng" algn="ctr">
+                      <a:solidFill>
+                        <a:schemeClr val="tx1"/>
+                      </a:solidFill>
+                      <a:prstDash val="solid"/>
+                      <a:round/>
+                      <a:headEnd type="none" w="med" len="med"/>
+                      <a:tailEnd type="none" w="med" len="med"/>
+                    </a:lnL>
+                    <a:lnR w="12700" cap="flat" cmpd="sng" algn="ctr">
+                      <a:solidFill>
+                        <a:schemeClr val="tx1"/>
+                      </a:solidFill>
+                      <a:prstDash val="solid"/>
+                      <a:round/>
+                      <a:headEnd type="none" w="med" len="med"/>
+                      <a:tailEnd type="none" w="med" len="med"/>
+                    </a:lnR>
+                    <a:lnT w="12700" cap="flat" cmpd="sng" algn="ctr">
+                      <a:solidFill>
+                        <a:schemeClr val="tx1"/>
+                      </a:solidFill>
+                      <a:prstDash val="solid"/>
+                      <a:round/>
+                      <a:headEnd type="none" w="med" len="med"/>
+                      <a:tailEnd type="none" w="med" len="med"/>
+                    </a:lnT>
+                    <a:lnB w="12700" cap="flat" cmpd="sng" algn="ctr">
+                      <a:solidFill>
+                        <a:schemeClr val="tx1"/>
+                      </a:solidFill>
+                      <a:prstDash val="solid"/>
+                      <a:round/>
+                      <a:headEnd type="none" w="med" len="med"/>
+                      <a:tailEnd type="none" w="med" len="med"/>
+                    </a:lnB>
+                    <a:solidFill>
+                      <a:schemeClr val="accent6">
+                        <a:lumMod val="20000"/>
+                        <a:lumOff val="80000"/>
+                      </a:schemeClr>
+                    </a:solidFill>
+                  </a:tcPr>
+                </a:tc>
+                <a:tc>
+                  <a:txBody>
+                    <a:bodyPr/>
+                    <a:lstStyle/>
+                    <a:p>
+                      <a:endParaRPr lang="en-US"/>
+                    </a:p>
+                  </a:txBody>
+                  <a:tcPr>
+                    <a:lnL w="12700" cap="flat" cmpd="sng" algn="ctr">
+                      <a:solidFill>
+                        <a:schemeClr val="tx1"/>
+                      </a:solidFill>
+                      <a:prstDash val="solid"/>
+                      <a:round/>
+                      <a:headEnd type="none" w="med" len="med"/>
+                      <a:tailEnd type="none" w="med" len="med"/>
+                    </a:lnL>
+                    <a:lnR w="12700" cap="flat" cmpd="sng" algn="ctr">
+                      <a:solidFill>
+                        <a:schemeClr val="tx1"/>
+                      </a:solidFill>
+                      <a:prstDash val="solid"/>
+                      <a:round/>
+                      <a:headEnd type="none" w="med" len="med"/>
+                      <a:tailEnd type="none" w="med" len="med"/>
+                    </a:lnR>
+                    <a:lnT w="12700" cap="flat" cmpd="sng" algn="ctr">
+                      <a:solidFill>
+                        <a:schemeClr val="tx1"/>
+                      </a:solidFill>
+                      <a:prstDash val="solid"/>
+                      <a:round/>
+                      <a:headEnd type="none" w="med" len="med"/>
+                      <a:tailEnd type="none" w="med" len="med"/>
+                    </a:lnT>
+                    <a:lnB w="12700" cap="flat" cmpd="sng" algn="ctr">
+                      <a:solidFill>
+                        <a:schemeClr val="tx1"/>
+                      </a:solidFill>
+                      <a:prstDash val="solid"/>
+                      <a:round/>
+                      <a:headEnd type="none" w="med" len="med"/>
+                      <a:tailEnd type="none" w="med" len="med"/>
+                    </a:lnB>
+                    <a:solidFill>
+                      <a:schemeClr val="accent6">
+                        <a:lumMod val="60000"/>
+                        <a:lumOff val="40000"/>
+                      </a:schemeClr>
+                    </a:solidFill>
+                  </a:tcPr>
+                </a:tc>
+                <a:tc>
+                  <a:txBody>
+                    <a:bodyPr/>
+                    <a:lstStyle/>
+                    <a:p>
+                      <a:endParaRPr lang="en-US" dirty="0"/>
+                    </a:p>
+                  </a:txBody>
+                  <a:tcPr>
+                    <a:lnL w="12700" cap="flat" cmpd="sng" algn="ctr">
+                      <a:solidFill>
+                        <a:schemeClr val="tx1"/>
+                      </a:solidFill>
+                      <a:prstDash val="solid"/>
+                      <a:round/>
+                      <a:headEnd type="none" w="med" len="med"/>
+                      <a:tailEnd type="none" w="med" len="med"/>
+                    </a:lnL>
+                    <a:lnR w="12700" cap="flat" cmpd="sng" algn="ctr">
+                      <a:solidFill>
+                        <a:schemeClr val="tx1"/>
+                      </a:solidFill>
+                      <a:prstDash val="solid"/>
+                      <a:round/>
+                      <a:headEnd type="none" w="med" len="med"/>
+                      <a:tailEnd type="none" w="med" len="med"/>
+                    </a:lnR>
+                    <a:lnT w="12700" cap="flat" cmpd="sng" algn="ctr">
+                      <a:solidFill>
+                        <a:schemeClr val="tx1"/>
+                      </a:solidFill>
+                      <a:prstDash val="solid"/>
+                      <a:round/>
+                      <a:headEnd type="none" w="med" len="med"/>
+                      <a:tailEnd type="none" w="med" len="med"/>
+                    </a:lnT>
+                    <a:lnB w="12700" cap="flat" cmpd="sng" algn="ctr">
+                      <a:solidFill>
+                        <a:schemeClr val="tx1"/>
+                      </a:solidFill>
+                      <a:prstDash val="solid"/>
+                      <a:round/>
+                      <a:headEnd type="none" w="med" len="med"/>
+                      <a:tailEnd type="none" w="med" len="med"/>
+                    </a:lnB>
+                    <a:solidFill>
+                      <a:schemeClr val="accent6">
+                        <a:lumMod val="60000"/>
+                        <a:lumOff val="40000"/>
+                      </a:schemeClr>
+                    </a:solidFill>
+                  </a:tcPr>
+                </a:tc>
+                <a:tc>
+                  <a:txBody>
+                    <a:bodyPr/>
+                    <a:lstStyle/>
+                    <a:p>
+                      <a:endParaRPr lang="en-US" dirty="0"/>
+                    </a:p>
+                  </a:txBody>
+                  <a:tcPr>
+                    <a:lnL w="12700" cap="flat" cmpd="sng" algn="ctr">
+                      <a:solidFill>
+                        <a:schemeClr val="tx1"/>
+                      </a:solidFill>
+                      <a:prstDash val="solid"/>
+                      <a:round/>
+                      <a:headEnd type="none" w="med" len="med"/>
+                      <a:tailEnd type="none" w="med" len="med"/>
+                    </a:lnL>
+                    <a:lnR w="12700" cap="flat" cmpd="sng" algn="ctr">
+                      <a:solidFill>
+                        <a:schemeClr val="tx1"/>
+                      </a:solidFill>
+                      <a:prstDash val="solid"/>
+                      <a:round/>
+                      <a:headEnd type="none" w="med" len="med"/>
+                      <a:tailEnd type="none" w="med" len="med"/>
+                    </a:lnR>
+                    <a:lnT w="12700" cap="flat" cmpd="sng" algn="ctr">
+                      <a:solidFill>
+                        <a:schemeClr val="tx1"/>
+                      </a:solidFill>
+                      <a:prstDash val="solid"/>
+                      <a:round/>
+                      <a:headEnd type="none" w="med" len="med"/>
+                      <a:tailEnd type="none" w="med" len="med"/>
+                    </a:lnT>
+                    <a:lnB w="12700" cap="flat" cmpd="sng" algn="ctr">
+                      <a:solidFill>
+                        <a:schemeClr val="tx1"/>
+                      </a:solidFill>
+                      <a:prstDash val="solid"/>
+                      <a:round/>
+                      <a:headEnd type="none" w="med" len="med"/>
+                      <a:tailEnd type="none" w="med" len="med"/>
+                    </a:lnB>
+                    <a:solidFill>
+                      <a:schemeClr val="accent6">
+                        <a:lumMod val="60000"/>
+                        <a:lumOff val="40000"/>
+                      </a:schemeClr>
+                    </a:solidFill>
+                  </a:tcPr>
+                </a:tc>
+                <a:tc>
+                  <a:txBody>
+                    <a:bodyPr/>
+                    <a:lstStyle/>
+                    <a:p>
+                      <a:endParaRPr lang="en-US"/>
+                    </a:p>
+                  </a:txBody>
+                  <a:tcPr>
+                    <a:lnL w="12700" cap="flat" cmpd="sng" algn="ctr">
+                      <a:solidFill>
+                        <a:schemeClr val="tx1"/>
+                      </a:solidFill>
+                      <a:prstDash val="solid"/>
+                      <a:round/>
+                      <a:headEnd type="none" w="med" len="med"/>
+                      <a:tailEnd type="none" w="med" len="med"/>
+                    </a:lnL>
+                    <a:lnR w="12700" cap="flat" cmpd="sng" algn="ctr">
+                      <a:solidFill>
+                        <a:schemeClr val="tx1"/>
+                      </a:solidFill>
+                      <a:prstDash val="solid"/>
+                      <a:round/>
+                      <a:headEnd type="none" w="med" len="med"/>
+                      <a:tailEnd type="none" w="med" len="med"/>
+                    </a:lnR>
+                    <a:lnT w="12700" cap="flat" cmpd="sng" algn="ctr">
+                      <a:solidFill>
+                        <a:schemeClr val="tx1"/>
+                      </a:solidFill>
+                      <a:prstDash val="solid"/>
+                      <a:round/>
+                      <a:headEnd type="none" w="med" len="med"/>
+                      <a:tailEnd type="none" w="med" len="med"/>
+                    </a:lnT>
+                    <a:lnB w="12700" cap="flat" cmpd="sng" algn="ctr">
+                      <a:solidFill>
+                        <a:schemeClr val="tx1"/>
+                      </a:solidFill>
+                      <a:prstDash val="solid"/>
+                      <a:round/>
+                      <a:headEnd type="none" w="med" len="med"/>
+                      <a:tailEnd type="none" w="med" len="med"/>
+                    </a:lnB>
+                    <a:solidFill>
+                      <a:schemeClr val="accent6">
+                        <a:lumMod val="20000"/>
+                        <a:lumOff val="80000"/>
+                      </a:schemeClr>
+                    </a:solidFill>
+                  </a:tcPr>
+                </a:tc>
+                <a:tc>
+                  <a:txBody>
+                    <a:bodyPr/>
+                    <a:lstStyle/>
+                    <a:p>
+                      <a:endParaRPr lang="en-US" dirty="0"/>
+                    </a:p>
+                  </a:txBody>
+                  <a:tcPr>
+                    <a:lnL w="12700" cap="flat" cmpd="sng" algn="ctr">
+                      <a:solidFill>
+                        <a:schemeClr val="tx1"/>
+                      </a:solidFill>
+                      <a:prstDash val="solid"/>
+                      <a:round/>
+                      <a:headEnd type="none" w="med" len="med"/>
+                      <a:tailEnd type="none" w="med" len="med"/>
+                    </a:lnL>
+                    <a:lnR w="12700" cap="flat" cmpd="sng" algn="ctr">
+                      <a:solidFill>
+                        <a:schemeClr val="tx1"/>
+                      </a:solidFill>
+                      <a:prstDash val="solid"/>
+                      <a:round/>
+                      <a:headEnd type="none" w="med" len="med"/>
+                      <a:tailEnd type="none" w="med" len="med"/>
+                    </a:lnR>
+                    <a:lnT w="12700" cap="flat" cmpd="sng" algn="ctr">
+                      <a:solidFill>
+                        <a:schemeClr val="tx1"/>
+                      </a:solidFill>
+                      <a:prstDash val="solid"/>
+                      <a:round/>
+                      <a:headEnd type="none" w="med" len="med"/>
+                      <a:tailEnd type="none" w="med" len="med"/>
+                    </a:lnT>
+                    <a:lnB w="12700" cap="flat" cmpd="sng" algn="ctr">
+                      <a:solidFill>
+                        <a:schemeClr val="tx1"/>
+                      </a:solidFill>
+                      <a:prstDash val="solid"/>
+                      <a:round/>
+                      <a:headEnd type="none" w="med" len="med"/>
+                      <a:tailEnd type="none" w="med" len="med"/>
+                    </a:lnB>
+                    <a:solidFill>
+                      <a:schemeClr val="accent6">
+                        <a:lumMod val="20000"/>
+                        <a:lumOff val="80000"/>
+                      </a:schemeClr>
+                    </a:solidFill>
+                  </a:tcPr>
+                </a:tc>
+                <a:tc>
+                  <a:txBody>
+                    <a:bodyPr/>
+                    <a:lstStyle/>
+                    <a:p>
+                      <a:endParaRPr lang="en-US" dirty="0"/>
+                    </a:p>
+                  </a:txBody>
+                  <a:tcPr>
+                    <a:lnL w="12700" cap="flat" cmpd="sng" algn="ctr">
+                      <a:solidFill>
+                        <a:schemeClr val="tx1"/>
+                      </a:solidFill>
+                      <a:prstDash val="solid"/>
+                      <a:round/>
+                      <a:headEnd type="none" w="med" len="med"/>
+                      <a:tailEnd type="none" w="med" len="med"/>
+                    </a:lnL>
+                    <a:lnR w="12700" cap="flat" cmpd="sng" algn="ctr">
+                      <a:noFill/>
+                      <a:prstDash val="solid"/>
+                      <a:round/>
+                      <a:headEnd type="none" w="med" len="med"/>
+                      <a:tailEnd type="none" w="med" len="med"/>
+                    </a:lnR>
+                    <a:lnT w="12700" cap="flat" cmpd="sng" algn="ctr">
+                      <a:solidFill>
+                        <a:schemeClr val="tx1"/>
+                      </a:solidFill>
+                      <a:prstDash val="sysDash"/>
+                      <a:round/>
+                      <a:headEnd type="none" w="med" len="med"/>
+                      <a:tailEnd type="none" w="med" len="med"/>
+                    </a:lnT>
+                    <a:lnB w="12700" cap="flat" cmpd="sng" algn="ctr">
+                      <a:solidFill>
+                        <a:schemeClr val="tx1"/>
+                      </a:solidFill>
+                      <a:prstDash val="sysDash"/>
+                      <a:round/>
+                      <a:headEnd type="none" w="med" len="med"/>
+                      <a:tailEnd type="none" w="med" len="med"/>
+                    </a:lnB>
+                    <a:lnTlToBr w="12700" cmpd="sng">
+                      <a:noFill/>
+                      <a:prstDash val="solid"/>
+                    </a:lnTlToBr>
+                    <a:lnBlToTr w="12700" cmpd="sng">
+                      <a:noFill/>
+                      <a:prstDash val="solid"/>
+                    </a:lnBlToTr>
+                    <a:gradFill flip="none" rotWithShape="1">
+                      <a:gsLst>
+                        <a:gs pos="0">
+                          <a:schemeClr val="accent6">
+                            <a:lumMod val="20000"/>
+                            <a:lumOff val="80000"/>
+                          </a:schemeClr>
+                        </a:gs>
+                        <a:gs pos="100000">
+                          <a:schemeClr val="bg1"/>
+                        </a:gs>
+                      </a:gsLst>
+                      <a:lin ang="0" scaled="0"/>
+                      <a:tileRect/>
+                    </a:gradFill>
+                  </a:tcPr>
+                </a:tc>
+                <a:extLst>
+                  <a:ext uri="{0D108BD9-81ED-4DB2-BD59-A6C34878D82A}">
+                    <a16:rowId xmlns:a16="http://schemas.microsoft.com/office/drawing/2014/main" val="3822235342"/>
+                  </a:ext>
+                </a:extLst>
+              </a:tr>
+              <a:tr h="744341">
+                <a:tc>
+                  <a:txBody>
+                    <a:bodyPr/>
+                    <a:lstStyle/>
+                    <a:p>
+                      <a:endParaRPr lang="en-US"/>
+                    </a:p>
+                  </a:txBody>
+                  <a:tcPr>
+                    <a:lnL w="12700" cap="flat" cmpd="sng" algn="ctr">
+                      <a:solidFill>
+                        <a:schemeClr val="tx1"/>
+                      </a:solidFill>
+                      <a:prstDash val="solid"/>
+                      <a:round/>
+                      <a:headEnd type="none" w="med" len="med"/>
+                      <a:tailEnd type="none" w="med" len="med"/>
+                    </a:lnL>
+                    <a:lnR w="12700" cap="flat" cmpd="sng" algn="ctr">
+                      <a:solidFill>
+                        <a:schemeClr val="tx1"/>
+                      </a:solidFill>
+                      <a:prstDash val="solid"/>
+                      <a:round/>
+                      <a:headEnd type="none" w="med" len="med"/>
+                      <a:tailEnd type="none" w="med" len="med"/>
+                    </a:lnR>
+                    <a:lnT w="12700" cap="flat" cmpd="sng" algn="ctr">
+                      <a:solidFill>
+                        <a:schemeClr val="tx1"/>
+                      </a:solidFill>
+                      <a:prstDash val="solid"/>
+                      <a:round/>
+                      <a:headEnd type="none" w="med" len="med"/>
+                      <a:tailEnd type="none" w="med" len="med"/>
+                    </a:lnT>
+                    <a:lnB w="12700" cap="flat" cmpd="sng" algn="ctr">
+                      <a:solidFill>
+                        <a:schemeClr val="tx1"/>
+                      </a:solidFill>
+                      <a:prstDash val="solid"/>
+                      <a:round/>
+                      <a:headEnd type="none" w="med" len="med"/>
+                      <a:tailEnd type="none" w="med" len="med"/>
+                    </a:lnB>
+                    <a:solidFill>
+                      <a:schemeClr val="accent6">
+                        <a:lumMod val="20000"/>
+                        <a:lumOff val="80000"/>
+                      </a:schemeClr>
+                    </a:solidFill>
+                  </a:tcPr>
+                </a:tc>
+                <a:tc>
+                  <a:txBody>
+                    <a:bodyPr/>
+                    <a:lstStyle/>
+                    <a:p>
+                      <a:endParaRPr lang="en-US"/>
+                    </a:p>
+                  </a:txBody>
+                  <a:tcPr>
+                    <a:lnL w="12700" cap="flat" cmpd="sng" algn="ctr">
+                      <a:solidFill>
+                        <a:schemeClr val="tx1"/>
+                      </a:solidFill>
+                      <a:prstDash val="solid"/>
+                      <a:round/>
+                      <a:headEnd type="none" w="med" len="med"/>
+                      <a:tailEnd type="none" w="med" len="med"/>
+                    </a:lnL>
+                    <a:lnR w="12700" cap="flat" cmpd="sng" algn="ctr">
+                      <a:solidFill>
+                        <a:schemeClr val="tx1"/>
+                      </a:solidFill>
+                      <a:prstDash val="solid"/>
+                      <a:round/>
+                      <a:headEnd type="none" w="med" len="med"/>
+                      <a:tailEnd type="none" w="med" len="med"/>
+                    </a:lnR>
+                    <a:lnT w="12700" cap="flat" cmpd="sng" algn="ctr">
+                      <a:solidFill>
+                        <a:schemeClr val="tx1"/>
+                      </a:solidFill>
+                      <a:prstDash val="solid"/>
+                      <a:round/>
+                      <a:headEnd type="none" w="med" len="med"/>
+                      <a:tailEnd type="none" w="med" len="med"/>
+                    </a:lnT>
+                    <a:lnB w="12700" cap="flat" cmpd="sng" algn="ctr">
+                      <a:solidFill>
+                        <a:schemeClr val="tx1"/>
+                      </a:solidFill>
+                      <a:prstDash val="solid"/>
+                      <a:round/>
+                      <a:headEnd type="none" w="med" len="med"/>
+                      <a:tailEnd type="none" w="med" len="med"/>
+                    </a:lnB>
+                    <a:solidFill>
+                      <a:schemeClr val="accent6">
+                        <a:lumMod val="20000"/>
+                        <a:lumOff val="80000"/>
+                      </a:schemeClr>
+                    </a:solidFill>
+                  </a:tcPr>
+                </a:tc>
+                <a:tc>
+                  <a:txBody>
+                    <a:bodyPr/>
+                    <a:lstStyle/>
+                    <a:p>
+                      <a:endParaRPr lang="en-US"/>
+                    </a:p>
+                  </a:txBody>
+                  <a:tcPr>
+                    <a:lnL w="12700" cap="flat" cmpd="sng" algn="ctr">
+                      <a:solidFill>
+                        <a:schemeClr val="tx1"/>
+                      </a:solidFill>
+                      <a:prstDash val="solid"/>
+                      <a:round/>
+                      <a:headEnd type="none" w="med" len="med"/>
+                      <a:tailEnd type="none" w="med" len="med"/>
+                    </a:lnL>
+                    <a:lnR w="12700" cap="flat" cmpd="sng" algn="ctr">
+                      <a:solidFill>
+                        <a:schemeClr val="tx1"/>
+                      </a:solidFill>
+                      <a:prstDash val="solid"/>
+                      <a:round/>
+                      <a:headEnd type="none" w="med" len="med"/>
+                      <a:tailEnd type="none" w="med" len="med"/>
+                    </a:lnR>
+                    <a:lnT w="12700" cap="flat" cmpd="sng" algn="ctr">
+                      <a:solidFill>
+                        <a:schemeClr val="tx1"/>
+                      </a:solidFill>
+                      <a:prstDash val="solid"/>
+                      <a:round/>
+                      <a:headEnd type="none" w="med" len="med"/>
+                      <a:tailEnd type="none" w="med" len="med"/>
+                    </a:lnT>
+                    <a:lnB w="12700" cap="flat" cmpd="sng" algn="ctr">
+                      <a:solidFill>
+                        <a:schemeClr val="tx1"/>
+                      </a:solidFill>
+                      <a:prstDash val="solid"/>
+                      <a:round/>
+                      <a:headEnd type="none" w="med" len="med"/>
+                      <a:tailEnd type="none" w="med" len="med"/>
+                    </a:lnB>
+                    <a:solidFill>
+                      <a:schemeClr val="accent6">
+                        <a:lumMod val="20000"/>
+                        <a:lumOff val="80000"/>
+                      </a:schemeClr>
+                    </a:solidFill>
+                  </a:tcPr>
+                </a:tc>
+                <a:tc>
+                  <a:txBody>
+                    <a:bodyPr/>
+                    <a:lstStyle/>
+                    <a:p>
+                      <a:endParaRPr lang="en-US" dirty="0"/>
+                    </a:p>
+                  </a:txBody>
+                  <a:tcPr>
+                    <a:lnL w="12700" cap="flat" cmpd="sng" algn="ctr">
+                      <a:solidFill>
+                        <a:schemeClr val="tx1"/>
+                      </a:solidFill>
+                      <a:prstDash val="solid"/>
+                      <a:round/>
+                      <a:headEnd type="none" w="med" len="med"/>
+                      <a:tailEnd type="none" w="med" len="med"/>
+                    </a:lnL>
+                    <a:lnR w="12700" cap="flat" cmpd="sng" algn="ctr">
+                      <a:solidFill>
+                        <a:schemeClr val="tx1"/>
+                      </a:solidFill>
+                      <a:prstDash val="solid"/>
+                      <a:round/>
+                      <a:headEnd type="none" w="med" len="med"/>
+                      <a:tailEnd type="none" w="med" len="med"/>
+                    </a:lnR>
+                    <a:lnT w="12700" cap="flat" cmpd="sng" algn="ctr">
+                      <a:solidFill>
+                        <a:schemeClr val="tx1"/>
+                      </a:solidFill>
+                      <a:prstDash val="solid"/>
+                      <a:round/>
+                      <a:headEnd type="none" w="med" len="med"/>
+                      <a:tailEnd type="none" w="med" len="med"/>
+                    </a:lnT>
+                    <a:lnB w="12700" cap="flat" cmpd="sng" algn="ctr">
+                      <a:solidFill>
+                        <a:schemeClr val="tx1"/>
+                      </a:solidFill>
+                      <a:prstDash val="solid"/>
+                      <a:round/>
+                      <a:headEnd type="none" w="med" len="med"/>
+                      <a:tailEnd type="none" w="med" len="med"/>
+                    </a:lnB>
+                    <a:solidFill>
+                      <a:schemeClr val="accent6">
+                        <a:lumMod val="20000"/>
+                        <a:lumOff val="80000"/>
+                      </a:schemeClr>
+                    </a:solidFill>
+                  </a:tcPr>
+                </a:tc>
+                <a:tc>
+                  <a:txBody>
+                    <a:bodyPr/>
+                    <a:lstStyle/>
+                    <a:p>
+                      <a:endParaRPr lang="en-US" dirty="0"/>
+                    </a:p>
+                  </a:txBody>
+                  <a:tcPr>
+                    <a:lnL w="12700" cap="flat" cmpd="sng" algn="ctr">
+                      <a:solidFill>
+                        <a:schemeClr val="tx1"/>
+                      </a:solidFill>
+                      <a:prstDash val="solid"/>
+                      <a:round/>
+                      <a:headEnd type="none" w="med" len="med"/>
+                      <a:tailEnd type="none" w="med" len="med"/>
+                    </a:lnL>
+                    <a:lnR w="12700" cap="flat" cmpd="sng" algn="ctr">
+                      <a:solidFill>
+                        <a:schemeClr val="tx1"/>
+                      </a:solidFill>
+                      <a:prstDash val="solid"/>
+                      <a:round/>
+                      <a:headEnd type="none" w="med" len="med"/>
+                      <a:tailEnd type="none" w="med" len="med"/>
+                    </a:lnR>
+                    <a:lnT w="12700" cap="flat" cmpd="sng" algn="ctr">
+                      <a:solidFill>
+                        <a:schemeClr val="tx1"/>
+                      </a:solidFill>
+                      <a:prstDash val="solid"/>
+                      <a:round/>
+                      <a:headEnd type="none" w="med" len="med"/>
+                      <a:tailEnd type="none" w="med" len="med"/>
+                    </a:lnT>
+                    <a:lnB w="12700" cap="flat" cmpd="sng" algn="ctr">
+                      <a:solidFill>
+                        <a:schemeClr val="tx1"/>
+                      </a:solidFill>
+                      <a:prstDash val="solid"/>
+                      <a:round/>
+                      <a:headEnd type="none" w="med" len="med"/>
+                      <a:tailEnd type="none" w="med" len="med"/>
+                    </a:lnB>
+                    <a:solidFill>
+                      <a:schemeClr val="accent6">
+                        <a:lumMod val="20000"/>
+                        <a:lumOff val="80000"/>
+                      </a:schemeClr>
+                    </a:solidFill>
+                  </a:tcPr>
+                </a:tc>
+                <a:tc>
+                  <a:txBody>
+                    <a:bodyPr/>
+                    <a:lstStyle/>
+                    <a:p>
+                      <a:endParaRPr lang="en-US" dirty="0"/>
+                    </a:p>
+                  </a:txBody>
+                  <a:tcPr>
+                    <a:lnL w="12700" cap="flat" cmpd="sng" algn="ctr">
+                      <a:solidFill>
+                        <a:schemeClr val="tx1"/>
+                      </a:solidFill>
+                      <a:prstDash val="solid"/>
+                      <a:round/>
+                      <a:headEnd type="none" w="med" len="med"/>
+                      <a:tailEnd type="none" w="med" len="med"/>
+                    </a:lnL>
+                    <a:lnR w="12700" cap="flat" cmpd="sng" algn="ctr">
+                      <a:solidFill>
+                        <a:schemeClr val="tx1"/>
+                      </a:solidFill>
+                      <a:prstDash val="solid"/>
+                      <a:round/>
+                      <a:headEnd type="none" w="med" len="med"/>
+                      <a:tailEnd type="none" w="med" len="med"/>
+                    </a:lnR>
+                    <a:lnT w="12700" cap="flat" cmpd="sng" algn="ctr">
+                      <a:solidFill>
+                        <a:schemeClr val="tx1"/>
+                      </a:solidFill>
+                      <a:prstDash val="solid"/>
+                      <a:round/>
+                      <a:headEnd type="none" w="med" len="med"/>
+                      <a:tailEnd type="none" w="med" len="med"/>
+                    </a:lnT>
+                    <a:lnB w="12700" cap="flat" cmpd="sng" algn="ctr">
+                      <a:solidFill>
+                        <a:schemeClr val="tx1"/>
+                      </a:solidFill>
+                      <a:prstDash val="solid"/>
+                      <a:round/>
+                      <a:headEnd type="none" w="med" len="med"/>
+                      <a:tailEnd type="none" w="med" len="med"/>
+                    </a:lnB>
+                    <a:solidFill>
+                      <a:schemeClr val="accent6">
+                        <a:lumMod val="20000"/>
+                        <a:lumOff val="80000"/>
+                      </a:schemeClr>
+                    </a:solidFill>
+                  </a:tcPr>
+                </a:tc>
+                <a:tc>
+                  <a:txBody>
+                    <a:bodyPr/>
+                    <a:lstStyle/>
+                    <a:p>
+                      <a:endParaRPr lang="en-US" dirty="0"/>
+                    </a:p>
+                  </a:txBody>
+                  <a:tcPr>
+                    <a:lnL w="12700" cap="flat" cmpd="sng" algn="ctr">
+                      <a:solidFill>
+                        <a:schemeClr val="tx1"/>
+                      </a:solidFill>
+                      <a:prstDash val="solid"/>
+                      <a:round/>
+                      <a:headEnd type="none" w="med" len="med"/>
+                      <a:tailEnd type="none" w="med" len="med"/>
+                    </a:lnL>
+                    <a:lnR w="12700" cap="flat" cmpd="sng" algn="ctr">
+                      <a:noFill/>
+                      <a:prstDash val="solid"/>
+                      <a:round/>
+                      <a:headEnd type="none" w="med" len="med"/>
+                      <a:tailEnd type="none" w="med" len="med"/>
+                    </a:lnR>
+                    <a:lnT w="12700" cap="flat" cmpd="sng" algn="ctr">
+                      <a:solidFill>
+                        <a:schemeClr val="tx1"/>
+                      </a:solidFill>
+                      <a:prstDash val="sysDash"/>
+                      <a:round/>
+                      <a:headEnd type="none" w="med" len="med"/>
+                      <a:tailEnd type="none" w="med" len="med"/>
+                    </a:lnT>
+                    <a:lnB w="12700" cap="flat" cmpd="sng" algn="ctr">
+                      <a:solidFill>
+                        <a:schemeClr val="tx1"/>
+                      </a:solidFill>
+                      <a:prstDash val="sysDash"/>
+                      <a:round/>
+                      <a:headEnd type="none" w="med" len="med"/>
+                      <a:tailEnd type="none" w="med" len="med"/>
+                    </a:lnB>
+                    <a:lnTlToBr w="12700" cmpd="sng">
+                      <a:noFill/>
+                      <a:prstDash val="solid"/>
+                    </a:lnTlToBr>
+                    <a:lnBlToTr w="12700" cmpd="sng">
+                      <a:noFill/>
+                      <a:prstDash val="solid"/>
+                    </a:lnBlToTr>
+                    <a:gradFill flip="none" rotWithShape="1">
+                      <a:gsLst>
+                        <a:gs pos="0">
+                          <a:schemeClr val="accent6">
+                            <a:lumMod val="20000"/>
+                            <a:lumOff val="80000"/>
+                          </a:schemeClr>
+                        </a:gs>
+                        <a:gs pos="100000">
+                          <a:schemeClr val="bg1"/>
+                        </a:gs>
+                      </a:gsLst>
+                      <a:lin ang="0" scaled="0"/>
+                      <a:tileRect/>
+                    </a:gradFill>
+                  </a:tcPr>
+                </a:tc>
+                <a:extLst>
+                  <a:ext uri="{0D108BD9-81ED-4DB2-BD59-A6C34878D82A}">
+                    <a16:rowId xmlns:a16="http://schemas.microsoft.com/office/drawing/2014/main" val="3299440650"/>
+                  </a:ext>
+                </a:extLst>
+              </a:tr>
+            </a:tbl>
+          </a:graphicData>
+        </a:graphic>
+      </p:graphicFrame>
+    </p:spTree>
+    <p:extLst>
+      <p:ext uri="{BB962C8B-B14F-4D97-AF65-F5344CB8AC3E}">
+        <p14:creationId xmlns:p14="http://schemas.microsoft.com/office/powerpoint/2010/main" val="3746086742"/>
+      </p:ext>
+    </p:extLst>
+  </p:cSld>
+  <p:clrMapOvr>
+    <a:masterClrMapping/>
+  </p:clrMapOvr>
+</p:sld>
+</file>
+
+<file path=ppt/slides/slide2.xml><?xml version="1.0" encoding="utf-8"?>
+<p:sld xmlns:a="http://schemas.openxmlformats.org/drawingml/2006/main" xmlns:r="http://schemas.openxmlformats.org/officeDocument/2006/relationships" xmlns:p="http://schemas.openxmlformats.org/presentationml/2006/main">
+  <p:cSld>
+    <p:spTree>
+      <p:nvGrpSpPr>
+        <p:cNvPr id="1" name=""/>
+        <p:cNvGrpSpPr/>
+        <p:nvPr/>
+      </p:nvGrpSpPr>
+      <p:grpSpPr>
+        <a:xfrm>
+          <a:off x="0" y="0"/>
+          <a:ext cx="0" cy="0"/>
+          <a:chOff x="0" y="0"/>
+          <a:chExt cx="0" cy="0"/>
+        </a:xfrm>
+      </p:grpSpPr>
       <p:grpSp>
         <p:nvGrpSpPr>
           <p:cNvPr id="15" name="Group 14">
@@ -3954,8 +6034,8 @@
             </p:txBody>
           </p:sp>
         </p:grpSp>
-        <mc:AlternateContent xmlns:mc="http://schemas.openxmlformats.org/markup-compatibility/2006">
-          <mc:Choice xmlns:a14="http://schemas.microsoft.com/office/drawing/2010/main" Requires="a14">
+        <mc:AlternateContent xmlns:mc="http://schemas.openxmlformats.org/markup-compatibility/2006" xmlns:a14="http://schemas.microsoft.com/office/drawing/2010/main">
+          <mc:Choice Requires="a14">
             <p:sp>
               <p:nvSpPr>
                 <p:cNvPr id="2" name="TextBox 1">
@@ -4015,7 +6095,7 @@
               </p:txBody>
             </p:sp>
           </mc:Choice>
-          <mc:Fallback>
+          <mc:Fallback xmlns="">
             <p:sp>
               <p:nvSpPr>
                 <p:cNvPr id="2" name="TextBox 1">
@@ -4104,8 +6184,8 @@
             </a:fontRef>
           </p:style>
         </p:cxnSp>
-        <mc:AlternateContent xmlns:mc="http://schemas.openxmlformats.org/markup-compatibility/2006">
-          <mc:Choice xmlns:a14="http://schemas.microsoft.com/office/drawing/2010/main" Requires="a14">
+        <mc:AlternateContent xmlns:mc="http://schemas.openxmlformats.org/markup-compatibility/2006" xmlns:a14="http://schemas.microsoft.com/office/drawing/2010/main">
+          <mc:Choice Requires="a14">
             <p:sp>
               <p:nvSpPr>
                 <p:cNvPr id="4" name="TextBox 3">
@@ -4162,7 +6242,7 @@
               </p:txBody>
             </p:sp>
           </mc:Choice>
-          <mc:Fallback>
+          <mc:Fallback xmlns="">
             <p:sp>
               <p:nvSpPr>
                 <p:cNvPr id="4" name="TextBox 3">
@@ -4265,7 +6345,7 @@
 </p:sld>
 </file>
 
-<file path=ppt/slides/slide2.xml><?xml version="1.0" encoding="utf-8"?>
+<file path=ppt/slides/slide3.xml><?xml version="1.0" encoding="utf-8"?>
 <p:sld xmlns:a="http://schemas.openxmlformats.org/drawingml/2006/main" xmlns:r="http://schemas.openxmlformats.org/officeDocument/2006/relationships" xmlns:p="http://schemas.openxmlformats.org/presentationml/2006/main">
   <p:cSld>
     <p:bg>
@@ -4789,7 +6869,7 @@
 </p:sld>
 </file>
 
-<file path=ppt/slides/slide3.xml><?xml version="1.0" encoding="utf-8"?>
+<file path=ppt/slides/slide4.xml><?xml version="1.0" encoding="utf-8"?>
 <p:sld xmlns:a="http://schemas.openxmlformats.org/drawingml/2006/main" xmlns:r="http://schemas.openxmlformats.org/officeDocument/2006/relationships" xmlns:p="http://schemas.openxmlformats.org/presentationml/2006/main">
   <p:cSld>
     <p:spTree>
@@ -5825,7 +7905,7 @@
 </p:sld>
 </file>
 
-<file path=ppt/slides/slide4.xml><?xml version="1.0" encoding="utf-8"?>
+<file path=ppt/slides/slide5.xml><?xml version="1.0" encoding="utf-8"?>
 <p:sld xmlns:a="http://schemas.openxmlformats.org/drawingml/2006/main" xmlns:r="http://schemas.openxmlformats.org/officeDocument/2006/relationships" xmlns:p="http://schemas.openxmlformats.org/presentationml/2006/main">
   <p:cSld>
     <p:spTree>
@@ -5856,10 +7936,10 @@
         </p:nvGrpSpPr>
         <p:grpSpPr>
           <a:xfrm>
-            <a:off x="2923660" y="1756677"/>
-            <a:ext cx="4830495" cy="3868042"/>
-            <a:chOff x="2923660" y="1756677"/>
-            <a:chExt cx="4830495" cy="3868042"/>
+            <a:off x="2923660" y="1638796"/>
+            <a:ext cx="6149077" cy="3985923"/>
+            <a:chOff x="2923660" y="1638796"/>
+            <a:chExt cx="6149077" cy="3985923"/>
           </a:xfrm>
         </p:grpSpPr>
         <p:grpSp>
@@ -5876,10 +7956,10 @@
           </p:nvGrpSpPr>
           <p:grpSpPr>
             <a:xfrm>
-              <a:off x="2923660" y="1756677"/>
-              <a:ext cx="4830495" cy="3868042"/>
-              <a:chOff x="2589831" y="1153748"/>
-              <a:chExt cx="4830495" cy="3868042"/>
+              <a:off x="2923660" y="1638796"/>
+              <a:ext cx="6149077" cy="3985923"/>
+              <a:chOff x="2589831" y="1035867"/>
+              <a:chExt cx="6149077" cy="3985923"/>
             </a:xfrm>
           </p:grpSpPr>
           <p:pic>
@@ -5903,8 +7983,8 @@
             </p:blipFill>
             <p:spPr>
               <a:xfrm>
-                <a:off x="3135086" y="1153748"/>
-                <a:ext cx="4285240" cy="3455136"/>
+                <a:off x="3135085" y="1035867"/>
+                <a:ext cx="5603823" cy="3573018"/>
               </a:xfrm>
               <a:prstGeom prst="rect">
                 <a:avLst/>
@@ -6199,7 +8279,7 @@
             </p:nvSpPr>
             <p:spPr>
               <a:xfrm>
-                <a:off x="4818844" y="2482597"/>
+                <a:off x="4666160" y="2427492"/>
                 <a:ext cx="917724" cy="789767"/>
               </a:xfrm>
               <a:prstGeom prst="irregularSeal1">
@@ -6297,7 +8377,7 @@
 </p:sld>
 </file>
 
-<file path=ppt/slides/slide5.xml><?xml version="1.0" encoding="utf-8"?>
+<file path=ppt/slides/slide6.xml><?xml version="1.0" encoding="utf-8"?>
 <p:sld xmlns:a="http://schemas.openxmlformats.org/drawingml/2006/main" xmlns:r="http://schemas.openxmlformats.org/officeDocument/2006/relationships" xmlns:p="http://schemas.openxmlformats.org/presentationml/2006/main">
   <p:cSld>
     <p:spTree>
@@ -7260,8 +9340,8 @@
             </p:txBody>
           </p:sp>
         </p:grpSp>
-        <mc:AlternateContent xmlns:mc="http://schemas.openxmlformats.org/markup-compatibility/2006">
-          <mc:Choice xmlns:a14="http://schemas.microsoft.com/office/drawing/2010/main" Requires="a14">
+        <mc:AlternateContent xmlns:mc="http://schemas.openxmlformats.org/markup-compatibility/2006" xmlns:a14="http://schemas.microsoft.com/office/drawing/2010/main">
+          <mc:Choice Requires="a14">
             <p:sp>
               <p:nvSpPr>
                 <p:cNvPr id="2" name="TextBox 1">
@@ -7321,7 +9401,7 @@
               </p:txBody>
             </p:sp>
           </mc:Choice>
-          <mc:Fallback>
+          <mc:Fallback xmlns="">
             <p:sp>
               <p:nvSpPr>
                 <p:cNvPr id="2" name="TextBox 1">
@@ -7410,8 +9490,8 @@
             </a:fontRef>
           </p:style>
         </p:cxnSp>
-        <mc:AlternateContent xmlns:mc="http://schemas.openxmlformats.org/markup-compatibility/2006">
-          <mc:Choice xmlns:a14="http://schemas.microsoft.com/office/drawing/2010/main" Requires="a14">
+        <mc:AlternateContent xmlns:mc="http://schemas.openxmlformats.org/markup-compatibility/2006" xmlns:a14="http://schemas.microsoft.com/office/drawing/2010/main">
+          <mc:Choice Requires="a14">
             <p:sp>
               <p:nvSpPr>
                 <p:cNvPr id="5" name="TextBox 4">
@@ -7468,7 +9548,7 @@
               </p:txBody>
             </p:sp>
           </mc:Choice>
-          <mc:Fallback>
+          <mc:Fallback xmlns="">
             <p:sp>
               <p:nvSpPr>
                 <p:cNvPr id="5" name="TextBox 4">
@@ -7622,7 +9702,7 @@
 </p:sld>
 </file>
 
-<file path=ppt/slides/slide6.xml><?xml version="1.0" encoding="utf-8"?>
+<file path=ppt/slides/slide7.xml><?xml version="1.0" encoding="utf-8"?>
 <p:sld xmlns:a="http://schemas.openxmlformats.org/drawingml/2006/main" xmlns:r="http://schemas.openxmlformats.org/officeDocument/2006/relationships" xmlns:p="http://schemas.openxmlformats.org/presentationml/2006/main">
   <p:cSld>
     <p:spTree>
@@ -8585,8 +10665,8 @@
             </p:txBody>
           </p:sp>
         </p:grpSp>
-        <mc:AlternateContent xmlns:mc="http://schemas.openxmlformats.org/markup-compatibility/2006">
-          <mc:Choice xmlns:a14="http://schemas.microsoft.com/office/drawing/2010/main" Requires="a14">
+        <mc:AlternateContent xmlns:mc="http://schemas.openxmlformats.org/markup-compatibility/2006" xmlns:a14="http://schemas.microsoft.com/office/drawing/2010/main">
+          <mc:Choice Requires="a14">
             <p:sp>
               <p:nvSpPr>
                 <p:cNvPr id="2" name="TextBox 1">
@@ -8646,7 +10726,7 @@
               </p:txBody>
             </p:sp>
           </mc:Choice>
-          <mc:Fallback>
+          <mc:Fallback xmlns="">
             <p:sp>
               <p:nvSpPr>
                 <p:cNvPr id="2" name="TextBox 1">
@@ -8735,8 +10815,8 @@
             </a:fontRef>
           </p:style>
         </p:cxnSp>
-        <mc:AlternateContent xmlns:mc="http://schemas.openxmlformats.org/markup-compatibility/2006">
-          <mc:Choice xmlns:a14="http://schemas.microsoft.com/office/drawing/2010/main" Requires="a14">
+        <mc:AlternateContent xmlns:mc="http://schemas.openxmlformats.org/markup-compatibility/2006" xmlns:a14="http://schemas.microsoft.com/office/drawing/2010/main">
+          <mc:Choice Requires="a14">
             <p:sp>
               <p:nvSpPr>
                 <p:cNvPr id="5" name="TextBox 4">
@@ -8793,7 +10873,7 @@
               </p:txBody>
             </p:sp>
           </mc:Choice>
-          <mc:Fallback>
+          <mc:Fallback xmlns="">
             <p:sp>
               <p:nvSpPr>
                 <p:cNvPr id="5" name="TextBox 4">
@@ -8933,8 +11013,8 @@
             </a:p>
           </p:txBody>
         </p:sp>
-        <mc:AlternateContent xmlns:mc="http://schemas.openxmlformats.org/markup-compatibility/2006">
-          <mc:Choice xmlns:a14="http://schemas.microsoft.com/office/drawing/2010/main" Requires="a14">
+        <mc:AlternateContent xmlns:mc="http://schemas.openxmlformats.org/markup-compatibility/2006" xmlns:a14="http://schemas.microsoft.com/office/drawing/2010/main">
+          <mc:Choice Requires="a14">
             <p:sp>
               <p:nvSpPr>
                 <p:cNvPr id="7" name="TextBox 6">
@@ -9003,7 +11083,7 @@
               </p:txBody>
             </p:sp>
           </mc:Choice>
-          <mc:Fallback>
+          <mc:Fallback xmlns="">
             <p:sp>
               <p:nvSpPr>
                 <p:cNvPr id="7" name="TextBox 6">
@@ -9048,8 +11128,8 @@
             </p:sp>
           </mc:Fallback>
         </mc:AlternateContent>
-        <mc:AlternateContent xmlns:mc="http://schemas.openxmlformats.org/markup-compatibility/2006">
-          <mc:Choice xmlns:a14="http://schemas.microsoft.com/office/drawing/2010/main" Requires="a14">
+        <mc:AlternateContent xmlns:mc="http://schemas.openxmlformats.org/markup-compatibility/2006" xmlns:a14="http://schemas.microsoft.com/office/drawing/2010/main">
+          <mc:Choice Requires="a14">
             <p:sp>
               <p:nvSpPr>
                 <p:cNvPr id="8" name="TextBox 7">
@@ -9118,7 +11198,7 @@
               </p:txBody>
             </p:sp>
           </mc:Choice>
-          <mc:Fallback>
+          <mc:Fallback xmlns="">
             <p:sp>
               <p:nvSpPr>
                 <p:cNvPr id="8" name="TextBox 7">
@@ -9177,7 +11257,7 @@
 </p:sld>
 </file>
 
-<file path=ppt/slides/slide7.xml><?xml version="1.0" encoding="utf-8"?>
+<file path=ppt/slides/slide8.xml><?xml version="1.0" encoding="utf-8"?>
 <p:sld xmlns:a="http://schemas.openxmlformats.org/drawingml/2006/main" xmlns:r="http://schemas.openxmlformats.org/officeDocument/2006/relationships" xmlns:p="http://schemas.openxmlformats.org/presentationml/2006/main">
   <p:cSld>
     <p:spTree>
@@ -9947,8 +12027,8 @@
             </p:sp>
           </p:grpSp>
         </p:grpSp>
-        <mc:AlternateContent xmlns:mc="http://schemas.openxmlformats.org/markup-compatibility/2006">
-          <mc:Choice xmlns:a14="http://schemas.microsoft.com/office/drawing/2010/main" Requires="a14">
+        <mc:AlternateContent xmlns:mc="http://schemas.openxmlformats.org/markup-compatibility/2006" xmlns:a14="http://schemas.microsoft.com/office/drawing/2010/main">
+          <mc:Choice Requires="a14">
             <p:sp>
               <p:nvSpPr>
                 <p:cNvPr id="2" name="TextBox 1">
@@ -10008,7 +12088,7 @@
               </p:txBody>
             </p:sp>
           </mc:Choice>
-          <mc:Fallback>
+          <mc:Fallback xmlns="">
             <p:sp>
               <p:nvSpPr>
                 <p:cNvPr id="2" name="TextBox 1">
@@ -10097,8 +12177,8 @@
             </a:fontRef>
           </p:style>
         </p:cxnSp>
-        <mc:AlternateContent xmlns:mc="http://schemas.openxmlformats.org/markup-compatibility/2006">
-          <mc:Choice xmlns:a14="http://schemas.microsoft.com/office/drawing/2010/main" Requires="a14">
+        <mc:AlternateContent xmlns:mc="http://schemas.openxmlformats.org/markup-compatibility/2006" xmlns:a14="http://schemas.microsoft.com/office/drawing/2010/main">
+          <mc:Choice Requires="a14">
             <p:sp>
               <p:nvSpPr>
                 <p:cNvPr id="5" name="TextBox 4">
@@ -10155,7 +12235,7 @@
               </p:txBody>
             </p:sp>
           </mc:Choice>
-          <mc:Fallback>
+          <mc:Fallback xmlns="">
             <p:sp>
               <p:nvSpPr>
                 <p:cNvPr id="5" name="TextBox 4">
@@ -10597,7 +12677,7 @@
 </p:sld>
 </file>
 
-<file path=ppt/slides/slide8.xml><?xml version="1.0" encoding="utf-8"?>
+<file path=ppt/slides/slide9.xml><?xml version="1.0" encoding="utf-8"?>
 <p:sld xmlns:a="http://schemas.openxmlformats.org/drawingml/2006/main" xmlns:r="http://schemas.openxmlformats.org/officeDocument/2006/relationships" xmlns:p="http://schemas.openxmlformats.org/presentationml/2006/main">
   <p:cSld>
     <p:spTree>
@@ -11355,8 +13435,8 @@
             </p:sp>
           </p:grpSp>
         </p:grpSp>
-        <mc:AlternateContent xmlns:mc="http://schemas.openxmlformats.org/markup-compatibility/2006">
-          <mc:Choice xmlns:a14="http://schemas.microsoft.com/office/drawing/2010/main" Requires="a14">
+        <mc:AlternateContent xmlns:mc="http://schemas.openxmlformats.org/markup-compatibility/2006" xmlns:a14="http://schemas.microsoft.com/office/drawing/2010/main">
+          <mc:Choice Requires="a14">
             <p:sp>
               <p:nvSpPr>
                 <p:cNvPr id="2" name="TextBox 1">
@@ -11416,7 +13496,7 @@
               </p:txBody>
             </p:sp>
           </mc:Choice>
-          <mc:Fallback>
+          <mc:Fallback xmlns="">
             <p:sp>
               <p:nvSpPr>
                 <p:cNvPr id="2" name="TextBox 1">
@@ -11505,8 +13585,8 @@
             </a:fontRef>
           </p:style>
         </p:cxnSp>
-        <mc:AlternateContent xmlns:mc="http://schemas.openxmlformats.org/markup-compatibility/2006">
-          <mc:Choice xmlns:a14="http://schemas.microsoft.com/office/drawing/2010/main" Requires="a14">
+        <mc:AlternateContent xmlns:mc="http://schemas.openxmlformats.org/markup-compatibility/2006" xmlns:a14="http://schemas.microsoft.com/office/drawing/2010/main">
+          <mc:Choice Requires="a14">
             <p:sp>
               <p:nvSpPr>
                 <p:cNvPr id="5" name="TextBox 4">
@@ -11563,7 +13643,7 @@
               </p:txBody>
             </p:sp>
           </mc:Choice>
-          <mc:Fallback>
+          <mc:Fallback xmlns="">
             <p:sp>
               <p:nvSpPr>
                 <p:cNvPr id="5" name="TextBox 4">

--- a/Oral Candidacy/Presentation/Figures/Figure Generation/photon_candidate_vars_schematics.pptx
+++ b/Oral Candidacy/Presentation/Figures/Figure Generation/photon_candidate_vars_schematics.pptx
@@ -267,7 +267,7 @@
           <a:p>
             <a:fld id="{33FC9E49-B8E9-2048-ABD8-CC34072815F7}" type="datetimeFigureOut">
               <a:rPr lang="en-US" smtClean="0"/>
-              <a:t>12/11/23</a:t>
+              <a:t>12/13/23</a:t>
             </a:fld>
             <a:endParaRPr lang="en-US"/>
           </a:p>
@@ -465,7 +465,7 @@
           <a:p>
             <a:fld id="{33FC9E49-B8E9-2048-ABD8-CC34072815F7}" type="datetimeFigureOut">
               <a:rPr lang="en-US" smtClean="0"/>
-              <a:t>12/11/23</a:t>
+              <a:t>12/13/23</a:t>
             </a:fld>
             <a:endParaRPr lang="en-US"/>
           </a:p>
@@ -673,7 +673,7 @@
           <a:p>
             <a:fld id="{33FC9E49-B8E9-2048-ABD8-CC34072815F7}" type="datetimeFigureOut">
               <a:rPr lang="en-US" smtClean="0"/>
-              <a:t>12/11/23</a:t>
+              <a:t>12/13/23</a:t>
             </a:fld>
             <a:endParaRPr lang="en-US"/>
           </a:p>
@@ -871,7 +871,7 @@
           <a:p>
             <a:fld id="{33FC9E49-B8E9-2048-ABD8-CC34072815F7}" type="datetimeFigureOut">
               <a:rPr lang="en-US" smtClean="0"/>
-              <a:t>12/11/23</a:t>
+              <a:t>12/13/23</a:t>
             </a:fld>
             <a:endParaRPr lang="en-US"/>
           </a:p>
@@ -1146,7 +1146,7 @@
           <a:p>
             <a:fld id="{33FC9E49-B8E9-2048-ABD8-CC34072815F7}" type="datetimeFigureOut">
               <a:rPr lang="en-US" smtClean="0"/>
-              <a:t>12/11/23</a:t>
+              <a:t>12/13/23</a:t>
             </a:fld>
             <a:endParaRPr lang="en-US"/>
           </a:p>
@@ -1411,7 +1411,7 @@
           <a:p>
             <a:fld id="{33FC9E49-B8E9-2048-ABD8-CC34072815F7}" type="datetimeFigureOut">
               <a:rPr lang="en-US" smtClean="0"/>
-              <a:t>12/11/23</a:t>
+              <a:t>12/13/23</a:t>
             </a:fld>
             <a:endParaRPr lang="en-US"/>
           </a:p>
@@ -1823,7 +1823,7 @@
           <a:p>
             <a:fld id="{33FC9E49-B8E9-2048-ABD8-CC34072815F7}" type="datetimeFigureOut">
               <a:rPr lang="en-US" smtClean="0"/>
-              <a:t>12/11/23</a:t>
+              <a:t>12/13/23</a:t>
             </a:fld>
             <a:endParaRPr lang="en-US"/>
           </a:p>
@@ -1964,7 +1964,7 @@
           <a:p>
             <a:fld id="{33FC9E49-B8E9-2048-ABD8-CC34072815F7}" type="datetimeFigureOut">
               <a:rPr lang="en-US" smtClean="0"/>
-              <a:t>12/11/23</a:t>
+              <a:t>12/13/23</a:t>
             </a:fld>
             <a:endParaRPr lang="en-US"/>
           </a:p>
@@ -2077,7 +2077,7 @@
           <a:p>
             <a:fld id="{33FC9E49-B8E9-2048-ABD8-CC34072815F7}" type="datetimeFigureOut">
               <a:rPr lang="en-US" smtClean="0"/>
-              <a:t>12/11/23</a:t>
+              <a:t>12/13/23</a:t>
             </a:fld>
             <a:endParaRPr lang="en-US"/>
           </a:p>
@@ -2388,7 +2388,7 @@
           <a:p>
             <a:fld id="{33FC9E49-B8E9-2048-ABD8-CC34072815F7}" type="datetimeFigureOut">
               <a:rPr lang="en-US" smtClean="0"/>
-              <a:t>12/11/23</a:t>
+              <a:t>12/13/23</a:t>
             </a:fld>
             <a:endParaRPr lang="en-US"/>
           </a:p>
@@ -2676,7 +2676,7 @@
           <a:p>
             <a:fld id="{33FC9E49-B8E9-2048-ABD8-CC34072815F7}" type="datetimeFigureOut">
               <a:rPr lang="en-US" smtClean="0"/>
-              <a:t>12/11/23</a:t>
+              <a:t>12/13/23</a:t>
             </a:fld>
             <a:endParaRPr lang="en-US"/>
           </a:p>
@@ -2917,7 +2917,7 @@
           <a:p>
             <a:fld id="{33FC9E49-B8E9-2048-ABD8-CC34072815F7}" type="datetimeFigureOut">
               <a:rPr lang="en-US" smtClean="0"/>
-              <a:t>12/11/23</a:t>
+              <a:t>12/13/23</a:t>
             </a:fld>
             <a:endParaRPr lang="en-US"/>
           </a:p>
@@ -11276,10 +11276,10 @@
       </p:grpSpPr>
       <p:grpSp>
         <p:nvGrpSpPr>
-          <p:cNvPr id="26" name="Group 25">
+          <p:cNvPr id="17" name="Group 16">
             <a:extLst>
               <a:ext uri="{FF2B5EF4-FFF2-40B4-BE49-F238E27FC236}">
-                <a16:creationId xmlns:a16="http://schemas.microsoft.com/office/drawing/2014/main" id="{8E6F9FFD-150D-3BAC-9030-30526ADDA765}"/>
+                <a16:creationId xmlns:a16="http://schemas.microsoft.com/office/drawing/2014/main" id="{A930AD92-345F-067B-463F-B5745D11915F}"/>
               </a:ext>
             </a:extLst>
           </p:cNvPr>
@@ -11294,12 +11294,333 @@
             <a:chExt cx="4513690" cy="4039228"/>
           </a:xfrm>
         </p:grpSpPr>
+        <p:sp>
+          <p:nvSpPr>
+            <p:cNvPr id="44" name="Data 43">
+              <a:extLst>
+                <a:ext uri="{FF2B5EF4-FFF2-40B4-BE49-F238E27FC236}">
+                  <a16:creationId xmlns:a16="http://schemas.microsoft.com/office/drawing/2014/main" id="{983ACC7E-309E-85C7-C1B2-BFB5C6B45EA6}"/>
+                </a:ext>
+              </a:extLst>
+            </p:cNvPr>
+            <p:cNvSpPr/>
+            <p:nvPr/>
+          </p:nvSpPr>
+          <p:spPr>
+            <a:xfrm>
+              <a:off x="3713392" y="676811"/>
+              <a:ext cx="3883195" cy="980058"/>
+            </a:xfrm>
+            <a:prstGeom prst="flowChartInputOutput">
+              <a:avLst/>
+            </a:prstGeom>
+            <a:solidFill>
+              <a:schemeClr val="accent6">
+                <a:lumMod val="20000"/>
+                <a:lumOff val="80000"/>
+              </a:schemeClr>
+            </a:solidFill>
+            <a:ln>
+              <a:noFill/>
+            </a:ln>
+            <a:effectLst>
+              <a:softEdge rad="25400"/>
+            </a:effectLst>
+          </p:spPr>
+          <p:style>
+            <a:lnRef idx="2">
+              <a:schemeClr val="accent1">
+                <a:shade val="15000"/>
+              </a:schemeClr>
+            </a:lnRef>
+            <a:fillRef idx="1">
+              <a:schemeClr val="accent1"/>
+            </a:fillRef>
+            <a:effectRef idx="0">
+              <a:schemeClr val="accent1"/>
+            </a:effectRef>
+            <a:fontRef idx="minor">
+              <a:schemeClr val="lt1"/>
+            </a:fontRef>
+          </p:style>
+          <p:txBody>
+            <a:bodyPr rtlCol="0" anchor="ctr"/>
+            <a:lstStyle/>
+            <a:p>
+              <a:pPr algn="ctr"/>
+              <a:endParaRPr lang="en-US"/>
+            </a:p>
+          </p:txBody>
+        </p:sp>
+        <p:sp>
+          <p:nvSpPr>
+            <p:cNvPr id="14" name="Can 13">
+              <a:extLst>
+                <a:ext uri="{FF2B5EF4-FFF2-40B4-BE49-F238E27FC236}">
+                  <a16:creationId xmlns:a16="http://schemas.microsoft.com/office/drawing/2014/main" id="{84B954A8-97C7-B24C-E0FD-E67143DA52D7}"/>
+                </a:ext>
+              </a:extLst>
+            </p:cNvPr>
+            <p:cNvSpPr/>
+            <p:nvPr/>
+          </p:nvSpPr>
+          <p:spPr>
+            <a:xfrm rot="5400000">
+              <a:off x="4846971" y="2215770"/>
+              <a:ext cx="1488821" cy="3511718"/>
+            </a:xfrm>
+            <a:prstGeom prst="can">
+              <a:avLst>
+                <a:gd name="adj" fmla="val 7036"/>
+              </a:avLst>
+            </a:prstGeom>
+            <a:gradFill flip="none" rotWithShape="1">
+              <a:gsLst>
+                <a:gs pos="0">
+                  <a:srgbClr val="0C2140"/>
+                </a:gs>
+                <a:gs pos="100000">
+                  <a:schemeClr val="bg1"/>
+                </a:gs>
+              </a:gsLst>
+              <a:lin ang="0" scaled="1"/>
+              <a:tileRect/>
+            </a:gradFill>
+            <a:ln>
+              <a:noFill/>
+            </a:ln>
+            <a:effectLst>
+              <a:softEdge rad="0"/>
+            </a:effectLst>
+          </p:spPr>
+          <p:style>
+            <a:lnRef idx="2">
+              <a:schemeClr val="accent1">
+                <a:shade val="15000"/>
+              </a:schemeClr>
+            </a:lnRef>
+            <a:fillRef idx="1">
+              <a:schemeClr val="accent1"/>
+            </a:fillRef>
+            <a:effectRef idx="0">
+              <a:schemeClr val="accent1"/>
+            </a:effectRef>
+            <a:fontRef idx="minor">
+              <a:schemeClr val="lt1"/>
+            </a:fontRef>
+          </p:style>
+          <p:txBody>
+            <a:bodyPr rtlCol="0" anchor="ctr"/>
+            <a:lstStyle/>
+            <a:p>
+              <a:pPr algn="ctr"/>
+              <a:endParaRPr lang="en-US"/>
+            </a:p>
+          </p:txBody>
+        </p:sp>
+        <p:sp>
+          <p:nvSpPr>
+            <p:cNvPr id="4" name="Explosion 1 3">
+              <a:extLst>
+                <a:ext uri="{FF2B5EF4-FFF2-40B4-BE49-F238E27FC236}">
+                  <a16:creationId xmlns:a16="http://schemas.microsoft.com/office/drawing/2014/main" id="{3B09513B-648F-9C77-E3E8-870B4D876F8A}"/>
+                </a:ext>
+              </a:extLst>
+            </p:cNvPr>
+            <p:cNvSpPr/>
+            <p:nvPr/>
+          </p:nvSpPr>
+          <p:spPr>
+            <a:xfrm>
+              <a:off x="5254019" y="858957"/>
+              <a:ext cx="917724" cy="789767"/>
+            </a:xfrm>
+            <a:prstGeom prst="irregularSeal1">
+              <a:avLst/>
+            </a:prstGeom>
+            <a:solidFill>
+              <a:srgbClr val="D39F10"/>
+            </a:solidFill>
+          </p:spPr>
+          <p:style>
+            <a:lnRef idx="2">
+              <a:schemeClr val="accent1">
+                <a:shade val="15000"/>
+              </a:schemeClr>
+            </a:lnRef>
+            <a:fillRef idx="1">
+              <a:schemeClr val="accent1"/>
+            </a:fillRef>
+            <a:effectRef idx="0">
+              <a:schemeClr val="accent1"/>
+            </a:effectRef>
+            <a:fontRef idx="minor">
+              <a:schemeClr val="lt1"/>
+            </a:fontRef>
+          </p:style>
+          <p:txBody>
+            <a:bodyPr rtlCol="0" anchor="ctr"/>
+            <a:lstStyle/>
+            <a:p>
+              <a:pPr algn="ctr"/>
+              <a:endParaRPr lang="en-US" dirty="0">
+                <a:highlight>
+                  <a:srgbClr val="0C2140"/>
+                </a:highlight>
+              </a:endParaRPr>
+            </a:p>
+          </p:txBody>
+        </p:sp>
+        <p:sp>
+          <p:nvSpPr>
+            <p:cNvPr id="11" name="Trapezoid 10">
+              <a:extLst>
+                <a:ext uri="{FF2B5EF4-FFF2-40B4-BE49-F238E27FC236}">
+                  <a16:creationId xmlns:a16="http://schemas.microsoft.com/office/drawing/2014/main" id="{BF2D465E-21CF-E629-73BF-0F7404BDD5F4}"/>
+                </a:ext>
+              </a:extLst>
+            </p:cNvPr>
+            <p:cNvSpPr/>
+            <p:nvPr/>
+          </p:nvSpPr>
+          <p:spPr>
+            <a:xfrm rot="10800000">
+              <a:off x="4852688" y="1346329"/>
+              <a:ext cx="1714737" cy="2795051"/>
+            </a:xfrm>
+            <a:prstGeom prst="trapezoid">
+              <a:avLst>
+                <a:gd name="adj" fmla="val 39287"/>
+              </a:avLst>
+            </a:prstGeom>
+            <a:solidFill>
+              <a:srgbClr val="D39F10">
+                <a:alpha val="20000"/>
+              </a:srgbClr>
+            </a:solidFill>
+            <a:effectLst>
+              <a:softEdge rad="25400"/>
+            </a:effectLst>
+          </p:spPr>
+          <p:style>
+            <a:lnRef idx="2">
+              <a:schemeClr val="accent1">
+                <a:shade val="15000"/>
+              </a:schemeClr>
+            </a:lnRef>
+            <a:fillRef idx="1">
+              <a:schemeClr val="accent1"/>
+            </a:fillRef>
+            <a:effectRef idx="0">
+              <a:schemeClr val="accent1"/>
+            </a:effectRef>
+            <a:fontRef idx="minor">
+              <a:schemeClr val="lt1"/>
+            </a:fontRef>
+          </p:style>
+          <p:txBody>
+            <a:bodyPr rtlCol="0" anchor="ctr"/>
+            <a:lstStyle/>
+            <a:p>
+              <a:pPr algn="ctr"/>
+              <a:endParaRPr lang="en-US"/>
+            </a:p>
+          </p:txBody>
+        </p:sp>
+        <p:cxnSp>
+          <p:nvCxnSpPr>
+            <p:cNvPr id="36" name="Straight Arrow Connector 35">
+              <a:extLst>
+                <a:ext uri="{FF2B5EF4-FFF2-40B4-BE49-F238E27FC236}">
+                  <a16:creationId xmlns:a16="http://schemas.microsoft.com/office/drawing/2014/main" id="{AF426326-EAA6-3368-E732-23053E0D94CA}"/>
+                </a:ext>
+              </a:extLst>
+            </p:cNvPr>
+            <p:cNvCxnSpPr>
+              <a:cxnSpLocks/>
+              <a:endCxn id="20" idx="6"/>
+            </p:cNvCxnSpPr>
+            <p:nvPr/>
+          </p:nvCxnSpPr>
+          <p:spPr>
+            <a:xfrm>
+              <a:off x="5729165" y="1262607"/>
+              <a:ext cx="838259" cy="4122"/>
+            </a:xfrm>
+            <a:prstGeom prst="straightConnector1">
+              <a:avLst/>
+            </a:prstGeom>
+            <a:ln w="19050">
+              <a:solidFill>
+                <a:srgbClr val="0C2240"/>
+              </a:solidFill>
+              <a:tailEnd type="triangle"/>
+            </a:ln>
+          </p:spPr>
+          <p:style>
+            <a:lnRef idx="1">
+              <a:schemeClr val="accent1"/>
+            </a:lnRef>
+            <a:fillRef idx="0">
+              <a:schemeClr val="accent1"/>
+            </a:fillRef>
+            <a:effectRef idx="0">
+              <a:schemeClr val="accent1"/>
+            </a:effectRef>
+            <a:fontRef idx="minor">
+              <a:schemeClr val="tx1"/>
+            </a:fontRef>
+          </p:style>
+        </p:cxnSp>
+        <p:sp>
+          <p:nvSpPr>
+            <p:cNvPr id="39" name="TextBox 38">
+              <a:extLst>
+                <a:ext uri="{FF2B5EF4-FFF2-40B4-BE49-F238E27FC236}">
+                  <a16:creationId xmlns:a16="http://schemas.microsoft.com/office/drawing/2014/main" id="{E9BE662C-6E21-FAB2-CDB7-DC7D817542D0}"/>
+                </a:ext>
+              </a:extLst>
+            </p:cNvPr>
+            <p:cNvSpPr txBox="1"/>
+            <p:nvPr/>
+          </p:nvSpPr>
+          <p:spPr>
+            <a:xfrm>
+              <a:off x="5438642" y="1587432"/>
+              <a:ext cx="1208137" cy="338554"/>
+            </a:xfrm>
+            <a:prstGeom prst="rect">
+              <a:avLst/>
+            </a:prstGeom>
+            <a:noFill/>
+          </p:spPr>
+          <p:txBody>
+            <a:bodyPr wrap="square">
+              <a:spAutoFit/>
+            </a:bodyPr>
+            <a:lstStyle/>
+            <a:p>
+              <a:r>
+                <a:rPr lang="en-US" sz="1600" dirty="0">
+                  <a:solidFill>
+                    <a:srgbClr val="0C2340"/>
+                  </a:solidFill>
+                  <a:latin typeface="CMU Serif Roman" panose="02000603000000000000" pitchFamily="2" charset="0"/>
+                  <a:ea typeface="CMU Serif Roman" panose="02000603000000000000" pitchFamily="2" charset="0"/>
+                  <a:cs typeface="CMU Serif Roman" panose="02000603000000000000" pitchFamily="2" charset="0"/>
+                </a:rPr>
+                <a:t>ΔR = 0.3</a:t>
+              </a:r>
+              <a:endParaRPr lang="en-US" sz="1600" dirty="0"/>
+            </a:p>
+          </p:txBody>
+        </p:sp>
         <p:grpSp>
           <p:nvGrpSpPr>
-            <p:cNvPr id="19" name="Group 18">
+            <p:cNvPr id="12" name="Group 11">
               <a:extLst>
                 <a:ext uri="{FF2B5EF4-FFF2-40B4-BE49-F238E27FC236}">
-                  <a16:creationId xmlns:a16="http://schemas.microsoft.com/office/drawing/2014/main" id="{6A60781C-266B-2221-BBBE-A3EEECC37CA0}"/>
+                  <a16:creationId xmlns:a16="http://schemas.microsoft.com/office/drawing/2014/main" id="{A7B15E5E-3172-F1CD-154C-81ADAF4130D5}"/>
                 </a:ext>
               </a:extLst>
             </p:cNvPr>
@@ -11308,727 +11629,98 @@
           </p:nvGrpSpPr>
           <p:grpSpPr>
             <a:xfrm>
-              <a:off x="3638102" y="676811"/>
-              <a:ext cx="4113944" cy="4039228"/>
-              <a:chOff x="3600554" y="676811"/>
-              <a:chExt cx="4113944" cy="4039228"/>
+              <a:off x="3638102" y="3949342"/>
+              <a:ext cx="4113944" cy="369332"/>
+              <a:chOff x="3600554" y="3949342"/>
+              <a:chExt cx="4113944" cy="369332"/>
             </a:xfrm>
           </p:grpSpPr>
-          <p:grpSp>
-            <p:nvGrpSpPr>
-              <p:cNvPr id="45" name="Group 44">
+          <p:cxnSp>
+            <p:nvCxnSpPr>
+              <p:cNvPr id="13" name="Straight Connector 12">
                 <a:extLst>
                   <a:ext uri="{FF2B5EF4-FFF2-40B4-BE49-F238E27FC236}">
-                    <a16:creationId xmlns:a16="http://schemas.microsoft.com/office/drawing/2014/main" id="{591F4BB1-7C67-394F-C42B-E4D4B96A5DED}"/>
+                    <a16:creationId xmlns:a16="http://schemas.microsoft.com/office/drawing/2014/main" id="{8BE70930-601A-06BD-D76A-833FA637EC2F}"/>
                   </a:ext>
                 </a:extLst>
               </p:cNvPr>
-              <p:cNvGrpSpPr/>
+              <p:cNvCxnSpPr>
+                <a:cxnSpLocks/>
+              </p:cNvCxnSpPr>
               <p:nvPr/>
-            </p:nvGrpSpPr>
-            <p:grpSpPr>
-              <a:xfrm>
-                <a:off x="3675844" y="676811"/>
-                <a:ext cx="3883195" cy="4039228"/>
-                <a:chOff x="3675844" y="676811"/>
-                <a:chExt cx="3883195" cy="4039228"/>
+            </p:nvCxnSpPr>
+            <p:spPr>
+              <a:xfrm flipV="1">
+                <a:off x="3600554" y="4141385"/>
+                <a:ext cx="3854107" cy="1"/>
               </a:xfrm>
-            </p:grpSpPr>
-            <p:sp>
-              <p:nvSpPr>
-                <p:cNvPr id="44" name="Data 43">
-                  <a:extLst>
-                    <a:ext uri="{FF2B5EF4-FFF2-40B4-BE49-F238E27FC236}">
-                      <a16:creationId xmlns:a16="http://schemas.microsoft.com/office/drawing/2014/main" id="{983ACC7E-309E-85C7-C1B2-BFB5C6B45EA6}"/>
-                    </a:ext>
-                  </a:extLst>
-                </p:cNvPr>
-                <p:cNvSpPr/>
-                <p:nvPr/>
-              </p:nvSpPr>
-              <p:spPr>
-                <a:xfrm>
-                  <a:off x="3675844" y="676811"/>
-                  <a:ext cx="3883195" cy="980058"/>
-                </a:xfrm>
-                <a:prstGeom prst="flowChartInputOutput">
-                  <a:avLst/>
-                </a:prstGeom>
+              <a:prstGeom prst="line">
+                <a:avLst/>
+              </a:prstGeom>
+              <a:ln w="19050">
                 <a:solidFill>
-                  <a:schemeClr val="accent6">
-                    <a:lumMod val="20000"/>
-                    <a:lumOff val="80000"/>
-                  </a:schemeClr>
+                  <a:srgbClr val="0C2240"/>
                 </a:solidFill>
-                <a:ln>
-                  <a:noFill/>
-                </a:ln>
-                <a:effectLst>
-                  <a:softEdge rad="25400"/>
-                </a:effectLst>
-              </p:spPr>
-              <p:style>
-                <a:lnRef idx="2">
-                  <a:schemeClr val="accent1">
-                    <a:shade val="15000"/>
-                  </a:schemeClr>
-                </a:lnRef>
-                <a:fillRef idx="1">
-                  <a:schemeClr val="accent1"/>
-                </a:fillRef>
-                <a:effectRef idx="0">
-                  <a:schemeClr val="accent1"/>
-                </a:effectRef>
-                <a:fontRef idx="minor">
-                  <a:schemeClr val="lt1"/>
-                </a:fontRef>
-              </p:style>
-              <p:txBody>
-                <a:bodyPr rtlCol="0" anchor="ctr"/>
-                <a:lstStyle/>
-                <a:p>
-                  <a:pPr algn="ctr"/>
-                  <a:endParaRPr lang="en-US"/>
-                </a:p>
-              </p:txBody>
-            </p:sp>
-            <p:grpSp>
-              <p:nvGrpSpPr>
-                <p:cNvPr id="40" name="Group 39">
-                  <a:extLst>
-                    <a:ext uri="{FF2B5EF4-FFF2-40B4-BE49-F238E27FC236}">
-                      <a16:creationId xmlns:a16="http://schemas.microsoft.com/office/drawing/2014/main" id="{FF086F43-9A2E-4D7A-E9BA-5C539DC98FBC}"/>
-                    </a:ext>
-                  </a:extLst>
-                </p:cNvPr>
-                <p:cNvGrpSpPr/>
-                <p:nvPr/>
-              </p:nvGrpSpPr>
-              <p:grpSpPr>
-                <a:xfrm>
-                  <a:off x="3797975" y="858957"/>
-                  <a:ext cx="3511718" cy="3857082"/>
-                  <a:chOff x="3797975" y="858957"/>
-                  <a:chExt cx="3511718" cy="3857082"/>
-                </a:xfrm>
-              </p:grpSpPr>
-              <p:grpSp>
-                <p:nvGrpSpPr>
-                  <p:cNvPr id="34" name="Group 33">
-                    <a:extLst>
-                      <a:ext uri="{FF2B5EF4-FFF2-40B4-BE49-F238E27FC236}">
-                        <a16:creationId xmlns:a16="http://schemas.microsoft.com/office/drawing/2014/main" id="{2C45B52C-89AB-312A-39F0-EDFE1A71370F}"/>
-                      </a:ext>
-                    </a:extLst>
-                  </p:cNvPr>
-                  <p:cNvGrpSpPr/>
-                  <p:nvPr/>
-                </p:nvGrpSpPr>
-                <p:grpSpPr>
-                  <a:xfrm>
-                    <a:off x="3797975" y="858957"/>
-                    <a:ext cx="3511718" cy="3857082"/>
-                    <a:chOff x="3797975" y="858957"/>
-                    <a:chExt cx="3511718" cy="3857082"/>
-                  </a:xfrm>
-                </p:grpSpPr>
-                <p:sp>
-                  <p:nvSpPr>
-                    <p:cNvPr id="4" name="Explosion 1 3">
-                      <a:extLst>
-                        <a:ext uri="{FF2B5EF4-FFF2-40B4-BE49-F238E27FC236}">
-                          <a16:creationId xmlns:a16="http://schemas.microsoft.com/office/drawing/2014/main" id="{3B09513B-648F-9C77-E3E8-870B4D876F8A}"/>
-                        </a:ext>
-                      </a:extLst>
-                    </p:cNvPr>
-                    <p:cNvSpPr/>
-                    <p:nvPr/>
-                  </p:nvSpPr>
-                  <p:spPr>
-                    <a:xfrm>
-                      <a:off x="5216471" y="858957"/>
-                      <a:ext cx="917724" cy="789767"/>
-                    </a:xfrm>
-                    <a:prstGeom prst="irregularSeal1">
-                      <a:avLst/>
-                    </a:prstGeom>
-                    <a:solidFill>
-                      <a:srgbClr val="D39F10"/>
-                    </a:solidFill>
-                  </p:spPr>
-                  <p:style>
-                    <a:lnRef idx="2">
-                      <a:schemeClr val="accent1">
-                        <a:shade val="15000"/>
-                      </a:schemeClr>
-                    </a:lnRef>
-                    <a:fillRef idx="1">
-                      <a:schemeClr val="accent1"/>
-                    </a:fillRef>
-                    <a:effectRef idx="0">
-                      <a:schemeClr val="accent1"/>
-                    </a:effectRef>
-                    <a:fontRef idx="minor">
-                      <a:schemeClr val="lt1"/>
-                    </a:fontRef>
-                  </p:style>
-                  <p:txBody>
-                    <a:bodyPr rtlCol="0" anchor="ctr"/>
-                    <a:lstStyle/>
-                    <a:p>
-                      <a:pPr algn="ctr"/>
-                      <a:endParaRPr lang="en-US" dirty="0">
-                        <a:highlight>
-                          <a:srgbClr val="0C2140"/>
-                        </a:highlight>
-                      </a:endParaRPr>
-                    </a:p>
-                  </p:txBody>
-                </p:sp>
-                <p:sp>
-                  <p:nvSpPr>
-                    <p:cNvPr id="14" name="Can 13">
-                      <a:extLst>
-                        <a:ext uri="{FF2B5EF4-FFF2-40B4-BE49-F238E27FC236}">
-                          <a16:creationId xmlns:a16="http://schemas.microsoft.com/office/drawing/2014/main" id="{84B954A8-97C7-B24C-E0FD-E67143DA52D7}"/>
-                        </a:ext>
-                      </a:extLst>
-                    </p:cNvPr>
-                    <p:cNvSpPr/>
-                    <p:nvPr/>
-                  </p:nvSpPr>
-                  <p:spPr>
-                    <a:xfrm rot="5400000">
-                      <a:off x="4809423" y="2215770"/>
-                      <a:ext cx="1488821" cy="3511718"/>
-                    </a:xfrm>
-                    <a:prstGeom prst="can">
-                      <a:avLst>
-                        <a:gd name="adj" fmla="val 7036"/>
-                      </a:avLst>
-                    </a:prstGeom>
-                    <a:gradFill flip="none" rotWithShape="1">
-                      <a:gsLst>
-                        <a:gs pos="0">
-                          <a:srgbClr val="0C2140"/>
-                        </a:gs>
-                        <a:gs pos="100000">
-                          <a:schemeClr val="bg1"/>
-                        </a:gs>
-                      </a:gsLst>
-                      <a:lin ang="0" scaled="1"/>
-                      <a:tileRect/>
-                    </a:gradFill>
-                    <a:ln>
-                      <a:noFill/>
-                    </a:ln>
-                    <a:effectLst>
-                      <a:softEdge rad="0"/>
-                    </a:effectLst>
-                  </p:spPr>
-                  <p:style>
-                    <a:lnRef idx="2">
-                      <a:schemeClr val="accent1">
-                        <a:shade val="15000"/>
-                      </a:schemeClr>
-                    </a:lnRef>
-                    <a:fillRef idx="1">
-                      <a:schemeClr val="accent1"/>
-                    </a:fillRef>
-                    <a:effectRef idx="0">
-                      <a:schemeClr val="accent1"/>
-                    </a:effectRef>
-                    <a:fontRef idx="minor">
-                      <a:schemeClr val="lt1"/>
-                    </a:fontRef>
-                  </p:style>
-                  <p:txBody>
-                    <a:bodyPr rtlCol="0" anchor="ctr"/>
-                    <a:lstStyle/>
-                    <a:p>
-                      <a:pPr algn="ctr"/>
-                      <a:endParaRPr lang="en-US"/>
-                    </a:p>
-                  </p:txBody>
-                </p:sp>
-                <p:sp>
-                  <p:nvSpPr>
-                    <p:cNvPr id="11" name="Trapezoid 10">
-                      <a:extLst>
-                        <a:ext uri="{FF2B5EF4-FFF2-40B4-BE49-F238E27FC236}">
-                          <a16:creationId xmlns:a16="http://schemas.microsoft.com/office/drawing/2014/main" id="{BF2D465E-21CF-E629-73BF-0F7404BDD5F4}"/>
-                        </a:ext>
-                      </a:extLst>
-                    </p:cNvPr>
-                    <p:cNvSpPr/>
-                    <p:nvPr/>
-                  </p:nvSpPr>
-                  <p:spPr>
-                    <a:xfrm rot="10800000">
-                      <a:off x="4815140" y="1346329"/>
-                      <a:ext cx="1714737" cy="2795051"/>
-                    </a:xfrm>
-                    <a:prstGeom prst="trapezoid">
-                      <a:avLst>
-                        <a:gd name="adj" fmla="val 39287"/>
-                      </a:avLst>
-                    </a:prstGeom>
-                    <a:solidFill>
-                      <a:srgbClr val="D39F10">
-                        <a:alpha val="20000"/>
-                      </a:srgbClr>
-                    </a:solidFill>
-                    <a:effectLst>
-                      <a:softEdge rad="25400"/>
-                    </a:effectLst>
-                  </p:spPr>
-                  <p:style>
-                    <a:lnRef idx="2">
-                      <a:schemeClr val="accent1">
-                        <a:shade val="15000"/>
-                      </a:schemeClr>
-                    </a:lnRef>
-                    <a:fillRef idx="1">
-                      <a:schemeClr val="accent1"/>
-                    </a:fillRef>
-                    <a:effectRef idx="0">
-                      <a:schemeClr val="accent1"/>
-                    </a:effectRef>
-                    <a:fontRef idx="minor">
-                      <a:schemeClr val="lt1"/>
-                    </a:fontRef>
-                  </p:style>
-                  <p:txBody>
-                    <a:bodyPr rtlCol="0" anchor="ctr"/>
-                    <a:lstStyle/>
-                    <a:p>
-                      <a:pPr algn="ctr"/>
-                      <a:endParaRPr lang="en-US"/>
-                    </a:p>
-                  </p:txBody>
-                </p:sp>
-                <p:sp>
-                  <p:nvSpPr>
-                    <p:cNvPr id="23" name="Data 22">
-                      <a:extLst>
-                        <a:ext uri="{FF2B5EF4-FFF2-40B4-BE49-F238E27FC236}">
-                          <a16:creationId xmlns:a16="http://schemas.microsoft.com/office/drawing/2014/main" id="{E3858FD5-AA65-0D91-9867-89B58F2D1CB9}"/>
-                        </a:ext>
-                      </a:extLst>
-                    </p:cNvPr>
-                    <p:cNvSpPr/>
-                    <p:nvPr/>
-                  </p:nvSpPr>
-                  <p:spPr>
-                    <a:xfrm>
-                      <a:off x="5475617" y="3544514"/>
-                      <a:ext cx="216000" cy="216000"/>
-                    </a:xfrm>
-                    <a:prstGeom prst="flowChartInputOutput">
-                      <a:avLst/>
-                    </a:prstGeom>
-                    <a:solidFill>
-                      <a:schemeClr val="accent6">
-                        <a:lumMod val="40000"/>
-                        <a:lumOff val="60000"/>
-                        <a:alpha val="50000"/>
-                      </a:schemeClr>
-                    </a:solidFill>
-                    <a:ln>
-                      <a:noFill/>
-                    </a:ln>
-                  </p:spPr>
-                  <p:style>
-                    <a:lnRef idx="2">
-                      <a:schemeClr val="accent1">
-                        <a:shade val="15000"/>
-                      </a:schemeClr>
-                    </a:lnRef>
-                    <a:fillRef idx="1">
-                      <a:schemeClr val="accent1"/>
-                    </a:fillRef>
-                    <a:effectRef idx="0">
-                      <a:schemeClr val="accent1"/>
-                    </a:effectRef>
-                    <a:fontRef idx="minor">
-                      <a:schemeClr val="lt1"/>
-                    </a:fontRef>
-                  </p:style>
-                  <p:txBody>
-                    <a:bodyPr rtlCol="0" anchor="ctr"/>
-                    <a:lstStyle/>
-                    <a:p>
-                      <a:pPr algn="ctr"/>
-                      <a:endParaRPr lang="en-US"/>
-                    </a:p>
-                  </p:txBody>
-                </p:sp>
-                <p:sp>
-                  <p:nvSpPr>
-                    <p:cNvPr id="32" name="Data 31">
-                      <a:extLst>
-                        <a:ext uri="{FF2B5EF4-FFF2-40B4-BE49-F238E27FC236}">
-                          <a16:creationId xmlns:a16="http://schemas.microsoft.com/office/drawing/2014/main" id="{082CE7B6-CE03-5D77-860E-8BBF31AD0D01}"/>
-                        </a:ext>
-                      </a:extLst>
-                    </p:cNvPr>
-                    <p:cNvSpPr/>
-                    <p:nvPr/>
-                  </p:nvSpPr>
-                  <p:spPr>
-                    <a:xfrm>
-                      <a:off x="5729814" y="3562190"/>
-                      <a:ext cx="216000" cy="216000"/>
-                    </a:xfrm>
-                    <a:prstGeom prst="flowChartInputOutput">
-                      <a:avLst/>
-                    </a:prstGeom>
-                    <a:solidFill>
-                      <a:schemeClr val="accent6">
-                        <a:lumMod val="40000"/>
-                        <a:lumOff val="60000"/>
-                        <a:alpha val="50000"/>
-                      </a:schemeClr>
-                    </a:solidFill>
-                    <a:ln>
-                      <a:noFill/>
-                    </a:ln>
-                  </p:spPr>
-                  <p:style>
-                    <a:lnRef idx="2">
-                      <a:schemeClr val="accent1">
-                        <a:shade val="15000"/>
-                      </a:schemeClr>
-                    </a:lnRef>
-                    <a:fillRef idx="1">
-                      <a:schemeClr val="accent1"/>
-                    </a:fillRef>
-                    <a:effectRef idx="0">
-                      <a:schemeClr val="accent1"/>
-                    </a:effectRef>
-                    <a:fontRef idx="minor">
-                      <a:schemeClr val="lt1"/>
-                    </a:fontRef>
-                  </p:style>
-                  <p:txBody>
-                    <a:bodyPr rtlCol="0" anchor="ctr"/>
-                    <a:lstStyle/>
-                    <a:p>
-                      <a:pPr algn="ctr"/>
-                      <a:endParaRPr lang="en-US"/>
-                    </a:p>
-                  </p:txBody>
-                </p:sp>
-                <p:sp>
-                  <p:nvSpPr>
-                    <p:cNvPr id="31" name="Data 30">
-                      <a:extLst>
-                        <a:ext uri="{FF2B5EF4-FFF2-40B4-BE49-F238E27FC236}">
-                          <a16:creationId xmlns:a16="http://schemas.microsoft.com/office/drawing/2014/main" id="{4B154BE1-39A6-D270-BEC4-8EE99A917D07}"/>
-                        </a:ext>
-                      </a:extLst>
-                    </p:cNvPr>
-                    <p:cNvSpPr/>
-                    <p:nvPr/>
-                  </p:nvSpPr>
-                  <p:spPr>
-                    <a:xfrm>
-                      <a:off x="5475617" y="3441609"/>
-                      <a:ext cx="216000" cy="216000"/>
-                    </a:xfrm>
-                    <a:prstGeom prst="flowChartInputOutput">
-                      <a:avLst/>
-                    </a:prstGeom>
-                    <a:solidFill>
-                      <a:schemeClr val="accent6">
-                        <a:lumMod val="40000"/>
-                        <a:lumOff val="60000"/>
-                        <a:alpha val="50000"/>
-                      </a:schemeClr>
-                    </a:solidFill>
-                    <a:ln>
-                      <a:noFill/>
-                    </a:ln>
-                  </p:spPr>
-                  <p:style>
-                    <a:lnRef idx="2">
-                      <a:schemeClr val="accent1">
-                        <a:shade val="15000"/>
-                      </a:schemeClr>
-                    </a:lnRef>
-                    <a:fillRef idx="1">
-                      <a:schemeClr val="accent1"/>
-                    </a:fillRef>
-                    <a:effectRef idx="0">
-                      <a:schemeClr val="accent1"/>
-                    </a:effectRef>
-                    <a:fontRef idx="minor">
-                      <a:schemeClr val="lt1"/>
-                    </a:fontRef>
-                  </p:style>
-                  <p:txBody>
-                    <a:bodyPr rtlCol="0" anchor="ctr"/>
-                    <a:lstStyle/>
-                    <a:p>
-                      <a:pPr algn="ctr"/>
-                      <a:endParaRPr lang="en-US"/>
-                    </a:p>
-                  </p:txBody>
-                </p:sp>
-                <p:sp>
-                  <p:nvSpPr>
-                    <p:cNvPr id="33" name="Data 32">
-                      <a:extLst>
-                        <a:ext uri="{FF2B5EF4-FFF2-40B4-BE49-F238E27FC236}">
-                          <a16:creationId xmlns:a16="http://schemas.microsoft.com/office/drawing/2014/main" id="{69E96E1F-5CAE-8C7D-36F2-B8CB0B52B59F}"/>
-                        </a:ext>
-                      </a:extLst>
-                    </p:cNvPr>
-                    <p:cNvSpPr/>
-                    <p:nvPr/>
-                  </p:nvSpPr>
-                  <p:spPr>
-                    <a:xfrm>
-                      <a:off x="5736294" y="3441609"/>
-                      <a:ext cx="216000" cy="216000"/>
-                    </a:xfrm>
-                    <a:prstGeom prst="flowChartInputOutput">
-                      <a:avLst/>
-                    </a:prstGeom>
-                    <a:solidFill>
-                      <a:schemeClr val="accent6">
-                        <a:lumMod val="40000"/>
-                        <a:lumOff val="60000"/>
-                        <a:alpha val="50000"/>
-                      </a:schemeClr>
-                    </a:solidFill>
-                    <a:ln>
-                      <a:noFill/>
-                    </a:ln>
-                  </p:spPr>
-                  <p:style>
-                    <a:lnRef idx="2">
-                      <a:schemeClr val="accent1">
-                        <a:shade val="15000"/>
-                      </a:schemeClr>
-                    </a:lnRef>
-                    <a:fillRef idx="1">
-                      <a:schemeClr val="accent1"/>
-                    </a:fillRef>
-                    <a:effectRef idx="0">
-                      <a:schemeClr val="accent1"/>
-                    </a:effectRef>
-                    <a:fontRef idx="minor">
-                      <a:schemeClr val="lt1"/>
-                    </a:fontRef>
-                  </p:style>
-                  <p:txBody>
-                    <a:bodyPr rtlCol="0" anchor="ctr"/>
-                    <a:lstStyle/>
-                    <a:p>
-                      <a:pPr algn="ctr"/>
-                      <a:endParaRPr lang="en-US"/>
-                    </a:p>
-                  </p:txBody>
-                </p:sp>
-              </p:grpSp>
-              <p:cxnSp>
-                <p:nvCxnSpPr>
-                  <p:cNvPr id="36" name="Straight Arrow Connector 35">
-                    <a:extLst>
-                      <a:ext uri="{FF2B5EF4-FFF2-40B4-BE49-F238E27FC236}">
-                        <a16:creationId xmlns:a16="http://schemas.microsoft.com/office/drawing/2014/main" id="{AF426326-EAA6-3368-E732-23053E0D94CA}"/>
-                      </a:ext>
-                    </a:extLst>
-                  </p:cNvPr>
-                  <p:cNvCxnSpPr>
-                    <a:cxnSpLocks/>
-                    <a:endCxn id="20" idx="6"/>
-                  </p:cNvCxnSpPr>
-                  <p:nvPr/>
-                </p:nvCxnSpPr>
-                <p:spPr>
-                  <a:xfrm>
-                    <a:off x="5691617" y="1262607"/>
-                    <a:ext cx="838259" cy="4122"/>
-                  </a:xfrm>
-                  <a:prstGeom prst="straightConnector1">
-                    <a:avLst/>
-                  </a:prstGeom>
-                  <a:ln w="19050">
-                    <a:solidFill>
-                      <a:srgbClr val="0C2240"/>
-                    </a:solidFill>
-                    <a:tailEnd type="triangle"/>
-                  </a:ln>
-                </p:spPr>
-                <p:style>
-                  <a:lnRef idx="1">
-                    <a:schemeClr val="accent1"/>
-                  </a:lnRef>
-                  <a:fillRef idx="0">
-                    <a:schemeClr val="accent1"/>
-                  </a:fillRef>
-                  <a:effectRef idx="0">
-                    <a:schemeClr val="accent1"/>
-                  </a:effectRef>
-                  <a:fontRef idx="minor">
-                    <a:schemeClr val="tx1"/>
-                  </a:fontRef>
-                </p:style>
-              </p:cxnSp>
-              <p:sp>
-                <p:nvSpPr>
-                  <p:cNvPr id="39" name="TextBox 38">
-                    <a:extLst>
-                      <a:ext uri="{FF2B5EF4-FFF2-40B4-BE49-F238E27FC236}">
-                        <a16:creationId xmlns:a16="http://schemas.microsoft.com/office/drawing/2014/main" id="{E9BE662C-6E21-FAB2-CDB7-DC7D817542D0}"/>
-                      </a:ext>
-                    </a:extLst>
-                  </p:cNvPr>
-                  <p:cNvSpPr txBox="1"/>
-                  <p:nvPr/>
-                </p:nvSpPr>
-                <p:spPr>
-                  <a:xfrm>
-                    <a:off x="5401094" y="1587432"/>
-                    <a:ext cx="1208137" cy="338554"/>
-                  </a:xfrm>
-                  <a:prstGeom prst="rect">
-                    <a:avLst/>
-                  </a:prstGeom>
-                  <a:noFill/>
-                </p:spPr>
-                <p:txBody>
-                  <a:bodyPr wrap="square">
-                    <a:spAutoFit/>
-                  </a:bodyPr>
-                  <a:lstStyle/>
-                  <a:p>
-                    <a:r>
-                      <a:rPr lang="en-US" sz="1600" dirty="0">
-                        <a:solidFill>
-                          <a:srgbClr val="0C2340"/>
-                        </a:solidFill>
-                        <a:latin typeface="CMU Serif Roman" panose="02000603000000000000" pitchFamily="2" charset="0"/>
-                        <a:ea typeface="CMU Serif Roman" panose="02000603000000000000" pitchFamily="2" charset="0"/>
-                        <a:cs typeface="CMU Serif Roman" panose="02000603000000000000" pitchFamily="2" charset="0"/>
-                      </a:rPr>
-                      <a:t>ΔR = 0.3</a:t>
-                    </a:r>
-                    <a:endParaRPr lang="en-US" sz="1600" dirty="0"/>
-                  </a:p>
-                </p:txBody>
-              </p:sp>
-            </p:grpSp>
-          </p:grpSp>
-          <p:grpSp>
-            <p:nvGrpSpPr>
-              <p:cNvPr id="12" name="Group 11">
+                <a:prstDash val="sysDot"/>
+              </a:ln>
+            </p:spPr>
+            <p:style>
+              <a:lnRef idx="1">
+                <a:schemeClr val="accent1"/>
+              </a:lnRef>
+              <a:fillRef idx="0">
+                <a:schemeClr val="accent1"/>
+              </a:fillRef>
+              <a:effectRef idx="0">
+                <a:schemeClr val="accent1"/>
+              </a:effectRef>
+              <a:fontRef idx="minor">
+                <a:schemeClr val="tx1"/>
+              </a:fontRef>
+            </p:style>
+          </p:cxnSp>
+          <p:sp>
+            <p:nvSpPr>
+              <p:cNvPr id="15" name="TextBox 14">
                 <a:extLst>
                   <a:ext uri="{FF2B5EF4-FFF2-40B4-BE49-F238E27FC236}">
-                    <a16:creationId xmlns:a16="http://schemas.microsoft.com/office/drawing/2014/main" id="{A7B15E5E-3172-F1CD-154C-81ADAF4130D5}"/>
+                    <a16:creationId xmlns:a16="http://schemas.microsoft.com/office/drawing/2014/main" id="{CC49469C-0B94-1238-FF91-67F551E7BEEB}"/>
                   </a:ext>
                 </a:extLst>
               </p:cNvPr>
-              <p:cNvGrpSpPr/>
+              <p:cNvSpPr txBox="1"/>
               <p:nvPr/>
-            </p:nvGrpSpPr>
-            <p:grpSpPr>
+            </p:nvSpPr>
+            <p:spPr>
               <a:xfrm>
-                <a:off x="3600554" y="3949342"/>
-                <a:ext cx="4113944" cy="369332"/>
-                <a:chOff x="3600554" y="3949342"/>
-                <a:chExt cx="4113944" cy="369332"/>
+                <a:off x="7427240" y="3949342"/>
+                <a:ext cx="287258" cy="369332"/>
               </a:xfrm>
-            </p:grpSpPr>
-            <p:cxnSp>
-              <p:nvCxnSpPr>
-                <p:cNvPr id="13" name="Straight Connector 12">
-                  <a:extLst>
-                    <a:ext uri="{FF2B5EF4-FFF2-40B4-BE49-F238E27FC236}">
-                      <a16:creationId xmlns:a16="http://schemas.microsoft.com/office/drawing/2014/main" id="{8BE70930-601A-06BD-D76A-833FA637EC2F}"/>
-                    </a:ext>
-                  </a:extLst>
-                </p:cNvPr>
-                <p:cNvCxnSpPr>
-                  <a:cxnSpLocks/>
-                </p:cNvCxnSpPr>
-                <p:nvPr/>
-              </p:nvCxnSpPr>
-              <p:spPr>
-                <a:xfrm flipV="1">
-                  <a:off x="3600554" y="4141385"/>
-                  <a:ext cx="3854107" cy="1"/>
-                </a:xfrm>
-                <a:prstGeom prst="line">
-                  <a:avLst/>
-                </a:prstGeom>
-                <a:ln w="19050">
-                  <a:solidFill>
-                    <a:srgbClr val="0C2240"/>
-                  </a:solidFill>
-                  <a:prstDash val="sysDot"/>
-                </a:ln>
-              </p:spPr>
-              <p:style>
-                <a:lnRef idx="1">
-                  <a:schemeClr val="accent1"/>
-                </a:lnRef>
-                <a:fillRef idx="0">
-                  <a:schemeClr val="accent1"/>
-                </a:fillRef>
-                <a:effectRef idx="0">
-                  <a:schemeClr val="accent1"/>
-                </a:effectRef>
-                <a:fontRef idx="minor">
-                  <a:schemeClr val="tx1"/>
-                </a:fontRef>
-              </p:style>
-            </p:cxnSp>
-            <p:sp>
-              <p:nvSpPr>
-                <p:cNvPr id="15" name="TextBox 14">
-                  <a:extLst>
-                    <a:ext uri="{FF2B5EF4-FFF2-40B4-BE49-F238E27FC236}">
-                      <a16:creationId xmlns:a16="http://schemas.microsoft.com/office/drawing/2014/main" id="{CC49469C-0B94-1238-FF91-67F551E7BEEB}"/>
-                    </a:ext>
-                  </a:extLst>
-                </p:cNvPr>
-                <p:cNvSpPr txBox="1"/>
-                <p:nvPr/>
-              </p:nvSpPr>
-              <p:spPr>
-                <a:xfrm>
-                  <a:off x="7427240" y="3949342"/>
-                  <a:ext cx="287258" cy="369332"/>
-                </a:xfrm>
-                <a:prstGeom prst="rect">
-                  <a:avLst/>
-                </a:prstGeom>
-                <a:noFill/>
-              </p:spPr>
-              <p:txBody>
-                <a:bodyPr wrap="none" rtlCol="0">
-                  <a:spAutoFit/>
-                </a:bodyPr>
-                <a:lstStyle/>
-                <a:p>
-                  <a:r>
-                    <a:rPr lang="en-US" dirty="0">
-                      <a:latin typeface="CMU Serif Roman" panose="02000603000000000000" pitchFamily="2" charset="0"/>
-                      <a:ea typeface="CMU Serif Roman" panose="02000603000000000000" pitchFamily="2" charset="0"/>
-                      <a:cs typeface="CMU Serif Roman" panose="02000603000000000000" pitchFamily="2" charset="0"/>
-                    </a:rPr>
-                    <a:t>z</a:t>
-                  </a:r>
-                </a:p>
-              </p:txBody>
-            </p:sp>
-          </p:grpSp>
+              <a:prstGeom prst="rect">
+                <a:avLst/>
+              </a:prstGeom>
+              <a:noFill/>
+            </p:spPr>
+            <p:txBody>
+              <a:bodyPr wrap="none" rtlCol="0">
+                <a:spAutoFit/>
+              </a:bodyPr>
+              <a:lstStyle/>
+              <a:p>
+                <a:r>
+                  <a:rPr lang="en-US" dirty="0">
+                    <a:latin typeface="CMU Serif Roman" panose="02000603000000000000" pitchFamily="2" charset="0"/>
+                    <a:ea typeface="CMU Serif Roman" panose="02000603000000000000" pitchFamily="2" charset="0"/>
+                    <a:cs typeface="CMU Serif Roman" panose="02000603000000000000" pitchFamily="2" charset="0"/>
+                  </a:rPr>
+                  <a:t>z</a:t>
+                </a:r>
+              </a:p>
+            </p:txBody>
+          </p:sp>
         </p:grpSp>
-        <mc:AlternateContent xmlns:mc="http://schemas.openxmlformats.org/markup-compatibility/2006" xmlns:a14="http://schemas.microsoft.com/office/drawing/2010/main">
-          <mc:Choice Requires="a14">
+        <mc:AlternateContent xmlns:mc="http://schemas.openxmlformats.org/markup-compatibility/2006">
+          <mc:Choice xmlns:a14="http://schemas.microsoft.com/office/drawing/2010/main" Requires="a14">
             <p:sp>
               <p:nvSpPr>
                 <p:cNvPr id="2" name="TextBox 1">
@@ -12088,7 +11780,7 @@
               </p:txBody>
             </p:sp>
           </mc:Choice>
-          <mc:Fallback xmlns="">
+          <mc:Fallback>
             <p:sp>
               <p:nvSpPr>
                 <p:cNvPr id="2" name="TextBox 1">
@@ -12177,8 +11869,8 @@
             </a:fontRef>
           </p:style>
         </p:cxnSp>
-        <mc:AlternateContent xmlns:mc="http://schemas.openxmlformats.org/markup-compatibility/2006" xmlns:a14="http://schemas.microsoft.com/office/drawing/2010/main">
-          <mc:Choice Requires="a14">
+        <mc:AlternateContent xmlns:mc="http://schemas.openxmlformats.org/markup-compatibility/2006">
+          <mc:Choice xmlns:a14="http://schemas.microsoft.com/office/drawing/2010/main" Requires="a14">
             <p:sp>
               <p:nvSpPr>
                 <p:cNvPr id="5" name="TextBox 4">
@@ -12235,7 +11927,7 @@
               </p:txBody>
             </p:sp>
           </mc:Choice>
-          <mc:Fallback xmlns="">
+          <mc:Fallback>
             <p:sp>
               <p:nvSpPr>
                 <p:cNvPr id="5" name="TextBox 4">
